--- a/BCI - Day11 - Node-Express 2.pptx
+++ b/BCI - Day11 - Node-Express 2.pptx
@@ -10,14 +10,17 @@
   <p:sldIdLst>
     <p:sldId id="1826" r:id="rId3"/>
     <p:sldId id="1387" r:id="rId4"/>
-    <p:sldId id="1551" r:id="rId6"/>
-    <p:sldId id="1840" r:id="rId7"/>
-    <p:sldId id="1841" r:id="rId8"/>
-    <p:sldId id="1815" r:id="rId9"/>
-    <p:sldId id="1843" r:id="rId10"/>
-    <p:sldId id="1842" r:id="rId11"/>
-    <p:sldId id="1816" r:id="rId12"/>
-    <p:sldId id="1817" r:id="rId13"/>
+    <p:sldId id="1847" r:id="rId6"/>
+    <p:sldId id="1860" r:id="rId7"/>
+    <p:sldId id="1848" r:id="rId8"/>
+    <p:sldId id="1853" r:id="rId9"/>
+    <p:sldId id="1854" r:id="rId10"/>
+    <p:sldId id="1852" r:id="rId11"/>
+    <p:sldId id="1849" r:id="rId12"/>
+    <p:sldId id="1861" r:id="rId13"/>
+    <p:sldId id="1855" r:id="rId14"/>
+    <p:sldId id="1850" r:id="rId15"/>
+    <p:sldId id="1851" r:id="rId16"/>
   </p:sldIdLst>
   <p:sldSz cx="9144000" cy="6858000" type="screen4x3"/>
   <p:notesSz cx="7315200" cy="9601200"/>
@@ -7301,13 +7304,13 @@
           <a:p>
             <a:pPr algn="ctr"/>
             <a:r>
-              <a:rPr lang="en-US" sz="3200" b="1" dirty="0">
+              <a:rPr lang="en-US" altLang="zh-CN" sz="3200" b="1" dirty="0">
                 <a:latin typeface="Calibri" panose="020F0502020204030204" pitchFamily="34" charset="0"/>
                 <a:cs typeface="Calibri" panose="020F0502020204030204" pitchFamily="34" charset="0"/>
               </a:rPr>
-              <a:t>MVC Code Demo</a:t>
-            </a:r>
-            <a:endParaRPr lang="en-US" sz="3200" b="1" dirty="0">
+              <a:t>Middleware</a:t>
+            </a:r>
+            <a:endParaRPr lang="en-US" altLang="zh-CN" sz="3200" b="1" dirty="0">
               <a:latin typeface="Calibri" panose="020F0502020204030204" pitchFamily="34" charset="0"/>
               <a:cs typeface="Calibri" panose="020F0502020204030204" pitchFamily="34" charset="0"/>
             </a:endParaRPr>
@@ -7316,7 +7319,7 @@
       </p:sp>
       <p:sp>
         <p:nvSpPr>
-          <p:cNvPr id="4" name="Content Placeholder 2"/>
+          <p:cNvPr id="3" name="Content Placeholder 2"/>
           <p:cNvSpPr>
             <a:spLocks noGrp="1"/>
           </p:cNvSpPr>
@@ -7326,14 +7329,15 @@
         </p:nvSpPr>
         <p:spPr>
           <a:xfrm>
-            <a:off x="628650" y="989330"/>
-            <a:ext cx="7886700" cy="5259705"/>
+            <a:off x="628650" y="989044"/>
+            <a:ext cx="7886700" cy="5605719"/>
           </a:xfrm>
         </p:spPr>
         <p:txBody>
           <a:bodyPr>
             <a:normAutofit/>
           </a:bodyPr>
+          <a:lstStyle/>
           <a:p>
             <a:pPr defTabSz="342900">
               <a:lnSpc>
@@ -7341,14 +7345,652 @@
               </a:lnSpc>
             </a:pPr>
             <a:r>
-              <a:rPr lang="en-US" altLang="en-US" sz="1800" dirty="0">
+              <a:rPr lang="en-US" altLang="en-US" sz="1780" dirty="0">
                 <a:solidFill>
                   <a:srgbClr val="262626"/>
                 </a:solidFill>
               </a:rPr>
-              <a:t>https://github.com/onebit256/node-mvc-api</a:t>
-            </a:r>
-            <a:endParaRPr lang="en-US" altLang="en-US" sz="1800" dirty="0">
+              <a:t>https://www.geeksforgeeks.org/file-uploading-in-node-js/</a:t>
+            </a:r>
+            <a:endParaRPr lang="en-US" altLang="en-US" sz="1780" dirty="0">
+              <a:solidFill>
+                <a:srgbClr val="262626"/>
+              </a:solidFill>
+            </a:endParaRPr>
+          </a:p>
+        </p:txBody>
+      </p:sp>
+      <p:pic>
+        <p:nvPicPr>
+          <p:cNvPr id="4" name="图片 3"/>
+          <p:cNvPicPr>
+            <a:picLocks noChangeAspect="1"/>
+          </p:cNvPicPr>
+          <p:nvPr/>
+        </p:nvPicPr>
+        <p:blipFill>
+          <a:blip r:embed="rId1"/>
+          <a:stretch>
+            <a:fillRect/>
+          </a:stretch>
+        </p:blipFill>
+        <p:spPr>
+          <a:xfrm>
+            <a:off x="752475" y="2299970"/>
+            <a:ext cx="7639050" cy="2257425"/>
+          </a:xfrm>
+          <a:prstGeom prst="rect">
+            <a:avLst/>
+          </a:prstGeom>
+        </p:spPr>
+      </p:pic>
+    </p:spTree>
+  </p:cSld>
+  <p:clrMapOvr>
+    <a:masterClrMapping/>
+  </p:clrMapOvr>
+</p:sld>
+</file>
+
+<file path=ppt/slides/slide11.xml><?xml version="1.0" encoding="utf-8"?>
+<p:sld xmlns:a="http://schemas.openxmlformats.org/drawingml/2006/main" xmlns:r="http://schemas.openxmlformats.org/officeDocument/2006/relationships" xmlns:p="http://schemas.openxmlformats.org/presentationml/2006/main">
+  <p:cSld>
+    <p:spTree>
+      <p:nvGrpSpPr>
+        <p:cNvPr id="1" name=""/>
+        <p:cNvGrpSpPr/>
+        <p:nvPr/>
+      </p:nvGrpSpPr>
+      <p:grpSpPr>
+        <a:xfrm>
+          <a:off x="0" y="0"/>
+          <a:ext cx="0" cy="0"/>
+          <a:chOff x="0" y="0"/>
+          <a:chExt cx="0" cy="0"/>
+        </a:xfrm>
+      </p:grpSpPr>
+      <p:sp>
+        <p:nvSpPr>
+          <p:cNvPr id="2" name="Title 1"/>
+          <p:cNvSpPr>
+            <a:spLocks noGrp="1"/>
+          </p:cNvSpPr>
+          <p:nvPr>
+            <p:ph type="title"/>
+          </p:nvPr>
+        </p:nvSpPr>
+        <p:spPr>
+          <a:xfrm>
+            <a:off x="628650" y="155263"/>
+            <a:ext cx="7886700" cy="526790"/>
+          </a:xfrm>
+        </p:spPr>
+        <p:txBody>
+          <a:bodyPr>
+            <a:normAutofit fontScale="90000"/>
+          </a:bodyPr>
+          <a:lstStyle/>
+          <a:p>
+            <a:pPr algn="ctr"/>
+            <a:r>
+              <a:rPr lang="en-US" altLang="zh-CN" sz="3200" b="1" dirty="0">
+                <a:latin typeface="Calibri" panose="020F0502020204030204" pitchFamily="34" charset="0"/>
+                <a:cs typeface="Calibri" panose="020F0502020204030204" pitchFamily="34" charset="0"/>
+              </a:rPr>
+              <a:t>API vs Non API Application</a:t>
+            </a:r>
+            <a:endParaRPr lang="en-US" altLang="zh-CN" sz="3200" b="1" dirty="0">
+              <a:latin typeface="Calibri" panose="020F0502020204030204" pitchFamily="34" charset="0"/>
+              <a:cs typeface="Calibri" panose="020F0502020204030204" pitchFamily="34" charset="0"/>
+            </a:endParaRPr>
+          </a:p>
+        </p:txBody>
+      </p:sp>
+      <p:sp>
+        <p:nvSpPr>
+          <p:cNvPr id="3" name="Content Placeholder 2"/>
+          <p:cNvSpPr>
+            <a:spLocks noGrp="1"/>
+          </p:cNvSpPr>
+          <p:nvPr>
+            <p:ph idx="1"/>
+          </p:nvPr>
+        </p:nvSpPr>
+        <p:spPr>
+          <a:xfrm>
+            <a:off x="628650" y="989044"/>
+            <a:ext cx="7886700" cy="5605719"/>
+          </a:xfrm>
+        </p:spPr>
+        <p:txBody>
+          <a:bodyPr>
+            <a:normAutofit/>
+          </a:bodyPr>
+          <a:lstStyle/>
+          <a:p>
+            <a:pPr defTabSz="342900">
+              <a:lnSpc>
+                <a:spcPct val="120000"/>
+              </a:lnSpc>
+            </a:pPr>
+            <a:r>
+              <a:rPr lang="en-US" altLang="en-US" sz="1780" dirty="0">
+                <a:solidFill>
+                  <a:srgbClr val="FF0000"/>
+                </a:solidFill>
+              </a:rPr>
+              <a:t>API doesn't have to pass the params to the view</a:t>
+            </a:r>
+            <a:endParaRPr lang="en-US" altLang="en-US" sz="1780" dirty="0">
+              <a:solidFill>
+                <a:srgbClr val="FF0000"/>
+              </a:solidFill>
+            </a:endParaRPr>
+          </a:p>
+          <a:p>
+            <a:pPr defTabSz="342900">
+              <a:lnSpc>
+                <a:spcPct val="120000"/>
+              </a:lnSpc>
+            </a:pPr>
+            <a:r>
+              <a:rPr lang="en-US" altLang="en-US" sz="1780" dirty="0">
+                <a:solidFill>
+                  <a:srgbClr val="FF0000"/>
+                </a:solidFill>
+              </a:rPr>
+              <a:t>view coud be written separately</a:t>
+            </a:r>
+            <a:endParaRPr lang="en-US" altLang="en-US" sz="1780" dirty="0">
+              <a:solidFill>
+                <a:srgbClr val="FF0000"/>
+              </a:solidFill>
+            </a:endParaRPr>
+          </a:p>
+          <a:p>
+            <a:pPr defTabSz="342900">
+              <a:lnSpc>
+                <a:spcPct val="120000"/>
+              </a:lnSpc>
+            </a:pPr>
+            <a:r>
+              <a:rPr lang="en-US" altLang="en-US" sz="1780" dirty="0">
+                <a:solidFill>
+                  <a:srgbClr val="FF0000"/>
+                </a:solidFill>
+              </a:rPr>
+              <a:t>view use js to parse the data</a:t>
+            </a:r>
+            <a:endParaRPr lang="en-US" altLang="en-US" sz="1780" dirty="0">
+              <a:solidFill>
+                <a:srgbClr val="FF0000"/>
+              </a:solidFill>
+            </a:endParaRPr>
+          </a:p>
+          <a:p>
+            <a:pPr defTabSz="342900">
+              <a:lnSpc>
+                <a:spcPct val="120000"/>
+              </a:lnSpc>
+            </a:pPr>
+            <a:endParaRPr lang="en-US" altLang="en-US" sz="1775" dirty="0">
+              <a:solidFill>
+                <a:srgbClr val="262626"/>
+              </a:solidFill>
+              <a:sym typeface="+mn-ea"/>
+            </a:endParaRPr>
+          </a:p>
+          <a:p>
+            <a:pPr defTabSz="342900">
+              <a:lnSpc>
+                <a:spcPct val="120000"/>
+              </a:lnSpc>
+            </a:pPr>
+            <a:endParaRPr lang="en-US" altLang="en-US" sz="1775" dirty="0">
+              <a:solidFill>
+                <a:srgbClr val="262626"/>
+              </a:solidFill>
+              <a:sym typeface="+mn-ea"/>
+            </a:endParaRPr>
+          </a:p>
+          <a:p>
+            <a:pPr defTabSz="342900">
+              <a:lnSpc>
+                <a:spcPct val="120000"/>
+              </a:lnSpc>
+            </a:pPr>
+            <a:r>
+              <a:rPr lang="en-US" altLang="en-US" sz="1775" dirty="0">
+                <a:solidFill>
+                  <a:srgbClr val="262626"/>
+                </a:solidFill>
+                <a:sym typeface="+mn-ea"/>
+              </a:rPr>
+              <a:t>Compare it with a non api program</a:t>
+            </a:r>
+            <a:endParaRPr lang="en-US" altLang="en-US" sz="1775" dirty="0">
+              <a:solidFill>
+                <a:srgbClr val="262626"/>
+              </a:solidFill>
+              <a:sym typeface="+mn-ea"/>
+            </a:endParaRPr>
+          </a:p>
+          <a:p>
+            <a:pPr defTabSz="342900">
+              <a:lnSpc>
+                <a:spcPct val="120000"/>
+              </a:lnSpc>
+            </a:pPr>
+            <a:r>
+              <a:rPr lang="en-US" altLang="en-US" sz="1775" dirty="0">
+                <a:solidFill>
+                  <a:srgbClr val="262626"/>
+                </a:solidFill>
+                <a:sym typeface="+mn-ea"/>
+              </a:rPr>
+              <a:t>Data is proccessed in controller and passed down to the view</a:t>
+            </a:r>
+            <a:endParaRPr lang="en-US" altLang="en-US" sz="1775" dirty="0">
+              <a:solidFill>
+                <a:srgbClr val="262626"/>
+              </a:solidFill>
+              <a:sym typeface="+mn-ea"/>
+            </a:endParaRPr>
+          </a:p>
+          <a:p>
+            <a:pPr defTabSz="342900">
+              <a:lnSpc>
+                <a:spcPct val="120000"/>
+              </a:lnSpc>
+            </a:pPr>
+            <a:r>
+              <a:rPr lang="en-US" altLang="en-US" sz="1775" dirty="0">
+                <a:solidFill>
+                  <a:srgbClr val="262626"/>
+                </a:solidFill>
+                <a:sym typeface="+mn-ea"/>
+              </a:rPr>
+              <a:t>but view and program cannot be separated</a:t>
+            </a:r>
+            <a:endParaRPr lang="en-US" altLang="en-US" sz="1775" dirty="0">
+              <a:solidFill>
+                <a:srgbClr val="262626"/>
+              </a:solidFill>
+            </a:endParaRPr>
+          </a:p>
+          <a:p>
+            <a:pPr defTabSz="342900">
+              <a:lnSpc>
+                <a:spcPct val="120000"/>
+              </a:lnSpc>
+            </a:pPr>
+            <a:endParaRPr lang="en-US" altLang="en-US" sz="1780" dirty="0">
+              <a:solidFill>
+                <a:srgbClr val="FF0000"/>
+              </a:solidFill>
+            </a:endParaRPr>
+          </a:p>
+        </p:txBody>
+      </p:sp>
+    </p:spTree>
+  </p:cSld>
+  <p:clrMapOvr>
+    <a:masterClrMapping/>
+  </p:clrMapOvr>
+</p:sld>
+</file>
+
+<file path=ppt/slides/slide12.xml><?xml version="1.0" encoding="utf-8"?>
+<p:sld xmlns:a="http://schemas.openxmlformats.org/drawingml/2006/main" xmlns:r="http://schemas.openxmlformats.org/officeDocument/2006/relationships" xmlns:p="http://schemas.openxmlformats.org/presentationml/2006/main">
+  <p:cSld>
+    <p:spTree>
+      <p:nvGrpSpPr>
+        <p:cNvPr id="1" name=""/>
+        <p:cNvGrpSpPr/>
+        <p:nvPr/>
+      </p:nvGrpSpPr>
+      <p:grpSpPr>
+        <a:xfrm>
+          <a:off x="0" y="0"/>
+          <a:ext cx="0" cy="0"/>
+          <a:chOff x="0" y="0"/>
+          <a:chExt cx="0" cy="0"/>
+        </a:xfrm>
+      </p:grpSpPr>
+      <p:sp>
+        <p:nvSpPr>
+          <p:cNvPr id="2" name="Title 1"/>
+          <p:cNvSpPr>
+            <a:spLocks noGrp="1"/>
+          </p:cNvSpPr>
+          <p:nvPr>
+            <p:ph type="title"/>
+          </p:nvPr>
+        </p:nvSpPr>
+        <p:spPr>
+          <a:xfrm>
+            <a:off x="628650" y="155263"/>
+            <a:ext cx="7886700" cy="526790"/>
+          </a:xfrm>
+        </p:spPr>
+        <p:txBody>
+          <a:bodyPr>
+            <a:normAutofit fontScale="90000"/>
+          </a:bodyPr>
+          <a:lstStyle/>
+          <a:p>
+            <a:pPr algn="ctr"/>
+            <a:r>
+              <a:rPr lang="en-US" altLang="zh-CN" sz="3200" b="1" dirty="0">
+                <a:latin typeface="Calibri" panose="020F0502020204030204" pitchFamily="34" charset="0"/>
+                <a:cs typeface="Calibri" panose="020F0502020204030204" pitchFamily="34" charset="0"/>
+              </a:rPr>
+              <a:t>Form</a:t>
+            </a:r>
+            <a:endParaRPr lang="en-US" altLang="zh-CN" sz="3200" b="1" dirty="0">
+              <a:latin typeface="Calibri" panose="020F0502020204030204" pitchFamily="34" charset="0"/>
+              <a:cs typeface="Calibri" panose="020F0502020204030204" pitchFamily="34" charset="0"/>
+            </a:endParaRPr>
+          </a:p>
+        </p:txBody>
+      </p:sp>
+      <p:sp>
+        <p:nvSpPr>
+          <p:cNvPr id="3" name="Content Placeholder 2"/>
+          <p:cNvSpPr>
+            <a:spLocks noGrp="1"/>
+          </p:cNvSpPr>
+          <p:nvPr>
+            <p:ph idx="1"/>
+          </p:nvPr>
+        </p:nvSpPr>
+        <p:spPr>
+          <a:xfrm>
+            <a:off x="628650" y="989044"/>
+            <a:ext cx="7886700" cy="5605719"/>
+          </a:xfrm>
+        </p:spPr>
+        <p:txBody>
+          <a:bodyPr>
+            <a:normAutofit/>
+          </a:bodyPr>
+          <a:lstStyle/>
+          <a:p>
+            <a:pPr defTabSz="342900">
+              <a:lnSpc>
+                <a:spcPct val="120000"/>
+              </a:lnSpc>
+            </a:pPr>
+            <a:r>
+              <a:rPr lang="en-US" altLang="en-US" sz="1780" dirty="0">
+                <a:solidFill>
+                  <a:srgbClr val="262626"/>
+                </a:solidFill>
+              </a:rPr>
+              <a:t>1 specify Router</a:t>
+            </a:r>
+            <a:endParaRPr lang="en-US" altLang="en-US" sz="1780" dirty="0">
+              <a:solidFill>
+                <a:srgbClr val="262626"/>
+              </a:solidFill>
+            </a:endParaRPr>
+          </a:p>
+          <a:p>
+            <a:pPr defTabSz="342900">
+              <a:lnSpc>
+                <a:spcPct val="120000"/>
+              </a:lnSpc>
+            </a:pPr>
+            <a:r>
+              <a:rPr lang="en-US" altLang="en-US" sz="1780" dirty="0">
+                <a:solidFill>
+                  <a:srgbClr val="262626"/>
+                </a:solidFill>
+              </a:rPr>
+              <a:t>2 specify the request type, usually POST for Forms</a:t>
+            </a:r>
+            <a:endParaRPr lang="en-US" altLang="en-US" sz="1780" dirty="0">
+              <a:solidFill>
+                <a:srgbClr val="262626"/>
+              </a:solidFill>
+            </a:endParaRPr>
+          </a:p>
+          <a:p>
+            <a:pPr defTabSz="342900">
+              <a:lnSpc>
+                <a:spcPct val="120000"/>
+              </a:lnSpc>
+            </a:pPr>
+            <a:r>
+              <a:rPr lang="en-US" altLang="en-US" sz="1780" dirty="0">
+                <a:solidFill>
+                  <a:srgbClr val="262626"/>
+                </a:solidFill>
+              </a:rPr>
+              <a:t>Form will take inputs value as parameters to send to the server</a:t>
+            </a:r>
+            <a:endParaRPr lang="en-US" altLang="en-US" sz="1780" dirty="0">
+              <a:solidFill>
+                <a:srgbClr val="262626"/>
+              </a:solidFill>
+            </a:endParaRPr>
+          </a:p>
+          <a:p>
+            <a:pPr defTabSz="342900">
+              <a:lnSpc>
+                <a:spcPct val="120000"/>
+              </a:lnSpc>
+            </a:pPr>
+            <a:endParaRPr lang="en-US" altLang="en-US" sz="1780" dirty="0">
+              <a:solidFill>
+                <a:srgbClr val="262626"/>
+              </a:solidFill>
+            </a:endParaRPr>
+          </a:p>
+          <a:p>
+            <a:pPr defTabSz="342900">
+              <a:lnSpc>
+                <a:spcPct val="120000"/>
+              </a:lnSpc>
+            </a:pPr>
+            <a:endParaRPr lang="en-US" altLang="en-US" sz="1780" dirty="0">
+              <a:solidFill>
+                <a:srgbClr val="262626"/>
+              </a:solidFill>
+            </a:endParaRPr>
+          </a:p>
+          <a:p>
+            <a:pPr defTabSz="342900">
+              <a:lnSpc>
+                <a:spcPct val="120000"/>
+              </a:lnSpc>
+            </a:pPr>
+            <a:endParaRPr lang="en-US" altLang="en-US" sz="1780" dirty="0">
+              <a:solidFill>
+                <a:srgbClr val="262626"/>
+              </a:solidFill>
+            </a:endParaRPr>
+          </a:p>
+          <a:p>
+            <a:pPr defTabSz="342900">
+              <a:lnSpc>
+                <a:spcPct val="120000"/>
+              </a:lnSpc>
+            </a:pPr>
+            <a:endParaRPr lang="en-US" altLang="en-US" sz="1780" dirty="0">
+              <a:solidFill>
+                <a:srgbClr val="262626"/>
+              </a:solidFill>
+            </a:endParaRPr>
+          </a:p>
+          <a:p>
+            <a:pPr defTabSz="342900">
+              <a:lnSpc>
+                <a:spcPct val="120000"/>
+              </a:lnSpc>
+            </a:pPr>
+            <a:r>
+              <a:rPr lang="en-US" altLang="en-US" sz="1780" dirty="0">
+                <a:solidFill>
+                  <a:srgbClr val="262626"/>
+                </a:solidFill>
+              </a:rPr>
+              <a:t>action should match routes, then the route will call the controller function to handle the request. In this case, put action = /genre/create</a:t>
+            </a:r>
+            <a:endParaRPr lang="en-US" altLang="en-US" sz="1780" dirty="0">
+              <a:solidFill>
+                <a:srgbClr val="262626"/>
+              </a:solidFill>
+            </a:endParaRPr>
+          </a:p>
+        </p:txBody>
+      </p:sp>
+      <p:pic>
+        <p:nvPicPr>
+          <p:cNvPr id="5" name="图片 4"/>
+          <p:cNvPicPr>
+            <a:picLocks noChangeAspect="1"/>
+          </p:cNvPicPr>
+          <p:nvPr/>
+        </p:nvPicPr>
+        <p:blipFill>
+          <a:blip r:embed="rId1"/>
+          <a:stretch>
+            <a:fillRect/>
+          </a:stretch>
+        </p:blipFill>
+        <p:spPr>
+          <a:xfrm>
+            <a:off x="442595" y="2369820"/>
+            <a:ext cx="8258175" cy="1752600"/>
+          </a:xfrm>
+          <a:prstGeom prst="rect">
+            <a:avLst/>
+          </a:prstGeom>
+        </p:spPr>
+      </p:pic>
+      <p:pic>
+        <p:nvPicPr>
+          <p:cNvPr id="6" name="图片 5"/>
+          <p:cNvPicPr>
+            <a:picLocks noChangeAspect="1"/>
+          </p:cNvPicPr>
+          <p:nvPr/>
+        </p:nvPicPr>
+        <p:blipFill>
+          <a:blip r:embed="rId2"/>
+          <a:stretch>
+            <a:fillRect/>
+          </a:stretch>
+        </p:blipFill>
+        <p:spPr>
+          <a:xfrm>
+            <a:off x="257175" y="5055235"/>
+            <a:ext cx="8629650" cy="1285875"/>
+          </a:xfrm>
+          <a:prstGeom prst="rect">
+            <a:avLst/>
+          </a:prstGeom>
+        </p:spPr>
+      </p:pic>
+    </p:spTree>
+  </p:cSld>
+  <p:clrMapOvr>
+    <a:masterClrMapping/>
+  </p:clrMapOvr>
+</p:sld>
+</file>
+
+<file path=ppt/slides/slide13.xml><?xml version="1.0" encoding="utf-8"?>
+<p:sld xmlns:a="http://schemas.openxmlformats.org/drawingml/2006/main" xmlns:r="http://schemas.openxmlformats.org/officeDocument/2006/relationships" xmlns:p="http://schemas.openxmlformats.org/presentationml/2006/main">
+  <p:cSld>
+    <p:spTree>
+      <p:nvGrpSpPr>
+        <p:cNvPr id="1" name=""/>
+        <p:cNvGrpSpPr/>
+        <p:nvPr/>
+      </p:nvGrpSpPr>
+      <p:grpSpPr>
+        <a:xfrm>
+          <a:off x="0" y="0"/>
+          <a:ext cx="0" cy="0"/>
+          <a:chOff x="0" y="0"/>
+          <a:chExt cx="0" cy="0"/>
+        </a:xfrm>
+      </p:grpSpPr>
+      <p:sp>
+        <p:nvSpPr>
+          <p:cNvPr id="2" name="Title 1"/>
+          <p:cNvSpPr>
+            <a:spLocks noGrp="1"/>
+          </p:cNvSpPr>
+          <p:nvPr>
+            <p:ph type="title"/>
+          </p:nvPr>
+        </p:nvSpPr>
+        <p:spPr>
+          <a:xfrm>
+            <a:off x="628650" y="155263"/>
+            <a:ext cx="7886700" cy="526790"/>
+          </a:xfrm>
+        </p:spPr>
+        <p:txBody>
+          <a:bodyPr>
+            <a:normAutofit fontScale="90000"/>
+          </a:bodyPr>
+          <a:lstStyle/>
+          <a:p>
+            <a:pPr algn="ctr"/>
+            <a:r>
+              <a:rPr lang="en-US" altLang="zh-CN" sz="3200" b="1" dirty="0">
+                <a:latin typeface="Calibri" panose="020F0502020204030204" pitchFamily="34" charset="0"/>
+                <a:cs typeface="Calibri" panose="020F0502020204030204" pitchFamily="34" charset="0"/>
+              </a:rPr>
+              <a:t>File Upload</a:t>
+            </a:r>
+            <a:endParaRPr lang="en-US" altLang="zh-CN" sz="3200" b="1" dirty="0">
+              <a:latin typeface="Calibri" panose="020F0502020204030204" pitchFamily="34" charset="0"/>
+              <a:cs typeface="Calibri" panose="020F0502020204030204" pitchFamily="34" charset="0"/>
+            </a:endParaRPr>
+          </a:p>
+        </p:txBody>
+      </p:sp>
+      <p:sp>
+        <p:nvSpPr>
+          <p:cNvPr id="3" name="Content Placeholder 2"/>
+          <p:cNvSpPr>
+            <a:spLocks noGrp="1"/>
+          </p:cNvSpPr>
+          <p:nvPr>
+            <p:ph idx="1"/>
+          </p:nvPr>
+        </p:nvSpPr>
+        <p:spPr>
+          <a:xfrm>
+            <a:off x="628650" y="989044"/>
+            <a:ext cx="7886700" cy="5605719"/>
+          </a:xfrm>
+        </p:spPr>
+        <p:txBody>
+          <a:bodyPr>
+            <a:normAutofit/>
+          </a:bodyPr>
+          <a:lstStyle/>
+          <a:p>
+            <a:pPr defTabSz="342900">
+              <a:lnSpc>
+                <a:spcPct val="120000"/>
+              </a:lnSpc>
+            </a:pPr>
+            <a:r>
+              <a:rPr lang="en-US" altLang="en-US" sz="1780" dirty="0">
+                <a:solidFill>
+                  <a:srgbClr val="262626"/>
+                </a:solidFill>
+              </a:rPr>
+              <a:t>https://www.geeksforgeeks.org/file-uploading-in-node-js/</a:t>
+            </a:r>
+            <a:endParaRPr lang="en-US" altLang="en-US" sz="1780" dirty="0">
               <a:solidFill>
                 <a:srgbClr val="262626"/>
               </a:solidFill>
@@ -7610,15 +8252,19 @@
           <a:p>
             <a:pPr algn="ctr"/>
             <a:r>
-              <a:rPr lang="en-US" altLang="en-US" sz="3200" b="1" dirty="0">
-                <a:solidFill>
-                  <a:srgbClr val="262626"/>
-                </a:solidFill>
+              <a:rPr lang="en-US" sz="3200" b="1" dirty="0">
                 <a:latin typeface="Calibri" panose="020F0502020204030204" pitchFamily="34" charset="0"/>
                 <a:cs typeface="Calibri" panose="020F0502020204030204" pitchFamily="34" charset="0"/>
                 <a:sym typeface="+mn-ea"/>
               </a:rPr>
-              <a:t>What is Node.js?</a:t>
+              <a:t>MVC </a:t>
+            </a:r>
+            <a:r>
+              <a:rPr lang="en-US" sz="3200" b="1" dirty="0">
+                <a:latin typeface="Calibri" panose="020F0502020204030204" pitchFamily="34" charset="0"/>
+                <a:cs typeface="Calibri" panose="020F0502020204030204" pitchFamily="34" charset="0"/>
+              </a:rPr>
+              <a:t>Code Demo Requirements: Registration</a:t>
             </a:r>
             <a:endParaRPr lang="zh-CN" altLang="en-US" sz="3200" b="1" dirty="0">
               <a:latin typeface="Calibri" panose="020F0502020204030204" pitchFamily="34" charset="0"/>
@@ -7655,14 +8301,14 @@
               </a:lnSpc>
             </a:pPr>
             <a:r>
-              <a:rPr lang="en-US" altLang="en-US" sz="1800" dirty="0">
+              <a:rPr lang="en-US" altLang="en-US" sz="1780" dirty="0">
                 <a:solidFill>
                   <a:srgbClr val="262626"/>
                 </a:solidFill>
               </a:rPr>
-              <a:t>Node.js is a server-side platform built on Google Chrome's JavaScript Engine (V8 Engine).</a:t>
-            </a:r>
-            <a:endParaRPr lang="en-US" altLang="en-US" sz="1800" dirty="0">
+              <a:t>Requirements:</a:t>
+            </a:r>
+            <a:endParaRPr lang="en-US" altLang="en-US" sz="1780" dirty="0">
               <a:solidFill>
                 <a:srgbClr val="262626"/>
               </a:solidFill>
@@ -7674,7 +8320,15 @@
                 <a:spcPct val="120000"/>
               </a:lnSpc>
             </a:pPr>
-            <a:endParaRPr lang="en-US" altLang="en-US" sz="1800" dirty="0">
+            <a:r>
+              <a:rPr lang="en-US" altLang="en-US" sz="1780" dirty="0">
+                <a:solidFill>
+                  <a:srgbClr val="262626"/>
+                </a:solidFill>
+              </a:rPr>
+              <a:t>1. Design database models: Using SQLite3</a:t>
+            </a:r>
+            <a:endParaRPr lang="en-US" altLang="en-US" sz="1780" dirty="0">
               <a:solidFill>
                 <a:srgbClr val="262626"/>
               </a:solidFill>
@@ -7687,14 +8341,14 @@
               </a:lnSpc>
             </a:pPr>
             <a:r>
-              <a:rPr lang="en-US" altLang="en-US" sz="1800" dirty="0">
+              <a:rPr lang="en-US" altLang="en-US" sz="1780" dirty="0">
                 <a:solidFill>
                   <a:srgbClr val="262626"/>
                 </a:solidFill>
               </a:rPr>
-              <a:t>What is a server side framework?</a:t>
-            </a:r>
-            <a:endParaRPr lang="en-US" altLang="en-US" sz="1800" dirty="0">
+              <a:t>2. Write Login, Logout, and Dashboard home page</a:t>
+            </a:r>
+            <a:endParaRPr lang="en-US" altLang="en-US" sz="1780" dirty="0">
               <a:solidFill>
                 <a:srgbClr val="262626"/>
               </a:solidFill>
@@ -7707,144 +8361,98 @@
               </a:lnSpc>
             </a:pPr>
             <a:r>
-              <a:rPr lang="en-US" altLang="en-US" sz="1800" dirty="0">
+              <a:rPr lang="en-US" altLang="en-US" sz="1780" dirty="0">
                 <a:solidFill>
                   <a:srgbClr val="262626"/>
                 </a:solidFill>
               </a:rPr>
-              <a:t>Web browsers communicate with web servers using the HyperText Transfer Protocol (HTTP). When you click a link on a web page, submit a form, or run a search, an HTTP request is sent from your browser to the target server.</a:t>
-            </a:r>
-            <a:endParaRPr lang="en-US" altLang="en-US" sz="1800" dirty="0">
+              <a:t>3. Write controller to interact with database through Models and rendering views</a:t>
+            </a:r>
+            <a:endParaRPr lang="en-US" altLang="en-US" sz="1780" dirty="0">
               <a:solidFill>
                 <a:srgbClr val="262626"/>
               </a:solidFill>
             </a:endParaRPr>
           </a:p>
-        </p:txBody>
-      </p:sp>
-      <p:sp>
-        <p:nvSpPr>
-          <p:cNvPr id="4" name="矩形 3"/>
-          <p:cNvSpPr/>
-          <p:nvPr/>
-        </p:nvSpPr>
-        <p:spPr>
-          <a:xfrm>
-            <a:off x="1771650" y="4479925"/>
-            <a:ext cx="1671320" cy="1167130"/>
-          </a:xfrm>
-          <a:prstGeom prst="rect">
-            <a:avLst/>
-          </a:prstGeom>
-        </p:spPr>
-        <p:style>
-          <a:lnRef idx="2">
-            <a:schemeClr val="accent3">
-              <a:shade val="50000"/>
-            </a:schemeClr>
-          </a:lnRef>
-          <a:fillRef idx="1">
-            <a:schemeClr val="accent3"/>
-          </a:fillRef>
-          <a:effectRef idx="0">
-            <a:schemeClr val="accent3"/>
-          </a:effectRef>
-          <a:fontRef idx="minor">
-            <a:schemeClr val="lt1"/>
-          </a:fontRef>
-        </p:style>
-        <p:txBody>
-          <a:bodyPr rtlCol="0" anchor="ctr"/>
-          <a:p>
-            <a:pPr algn="ctr"/>
-            <a:r>
-              <a:rPr lang="en-US" altLang="zh-CN"/>
-              <a:t>Browers/IOS/Android</a:t>
-            </a:r>
-            <a:endParaRPr lang="en-US" altLang="zh-CN"/>
-          </a:p>
-        </p:txBody>
-      </p:sp>
-      <p:sp>
-        <p:nvSpPr>
-          <p:cNvPr id="5" name="矩形 4"/>
-          <p:cNvSpPr/>
-          <p:nvPr/>
-        </p:nvSpPr>
-        <p:spPr>
-          <a:xfrm>
-            <a:off x="4708525" y="4479925"/>
-            <a:ext cx="1671320" cy="1167130"/>
-          </a:xfrm>
-          <a:prstGeom prst="rect">
-            <a:avLst/>
-          </a:prstGeom>
-        </p:spPr>
-        <p:style>
-          <a:lnRef idx="2">
-            <a:schemeClr val="accent3">
-              <a:shade val="50000"/>
-            </a:schemeClr>
-          </a:lnRef>
-          <a:fillRef idx="1">
-            <a:schemeClr val="accent3"/>
-          </a:fillRef>
-          <a:effectRef idx="0">
-            <a:schemeClr val="accent3"/>
-          </a:effectRef>
-          <a:fontRef idx="minor">
-            <a:schemeClr val="lt1"/>
-          </a:fontRef>
-        </p:style>
-        <p:txBody>
-          <a:bodyPr rtlCol="0" anchor="ctr"/>
-          <a:p>
-            <a:pPr algn="ctr"/>
-            <a:r>
-              <a:rPr lang="en-US" altLang="zh-CN"/>
-              <a:t>Server</a:t>
-            </a:r>
-            <a:endParaRPr lang="en-US" altLang="zh-CN"/>
-          </a:p>
-        </p:txBody>
-      </p:sp>
-      <p:cxnSp>
-        <p:nvCxnSpPr>
-          <p:cNvPr id="6" name="直接箭头连接符 5"/>
-          <p:cNvCxnSpPr>
-            <a:stCxn id="4" idx="3"/>
-            <a:endCxn id="5" idx="1"/>
-          </p:cNvCxnSpPr>
-          <p:nvPr/>
-        </p:nvCxnSpPr>
-        <p:spPr>
-          <a:xfrm>
-            <a:off x="3442970" y="5063490"/>
-            <a:ext cx="1265555" cy="0"/>
-          </a:xfrm>
-          <a:prstGeom prst="straightConnector1">
-            <a:avLst/>
-          </a:prstGeom>
-          <a:ln>
-            <a:headEnd type="arrow"/>
-            <a:tailEnd type="arrow"/>
-          </a:ln>
-        </p:spPr>
-        <p:style>
-          <a:lnRef idx="1">
-            <a:schemeClr val="accent1"/>
-          </a:lnRef>
-          <a:fillRef idx="0">
-            <a:schemeClr val="accent1"/>
-          </a:fillRef>
-          <a:effectRef idx="0">
-            <a:schemeClr val="accent1"/>
-          </a:effectRef>
-          <a:fontRef idx="minor">
-            <a:schemeClr val="tx1"/>
-          </a:fontRef>
-        </p:style>
-      </p:cxnSp>
+          <a:p>
+            <a:pPr defTabSz="342900">
+              <a:lnSpc>
+                <a:spcPct val="120000"/>
+              </a:lnSpc>
+            </a:pPr>
+            <a:endParaRPr lang="en-US" altLang="en-US" sz="1780" dirty="0">
+              <a:solidFill>
+                <a:srgbClr val="262626"/>
+              </a:solidFill>
+            </a:endParaRPr>
+          </a:p>
+          <a:p>
+            <a:pPr defTabSz="342900">
+              <a:lnSpc>
+                <a:spcPct val="120000"/>
+              </a:lnSpc>
+            </a:pPr>
+            <a:r>
+              <a:rPr lang="en-US" altLang="en-US" sz="1780" dirty="0">
+                <a:solidFill>
+                  <a:srgbClr val="FF0000"/>
+                </a:solidFill>
+              </a:rPr>
+              <a:t>Code Demo Now</a:t>
+            </a:r>
+            <a:endParaRPr lang="en-US" altLang="en-US" sz="1780" dirty="0">
+              <a:solidFill>
+                <a:srgbClr val="FF0000"/>
+              </a:solidFill>
+            </a:endParaRPr>
+          </a:p>
+          <a:p>
+            <a:pPr defTabSz="342900">
+              <a:lnSpc>
+                <a:spcPct val="120000"/>
+              </a:lnSpc>
+            </a:pPr>
+            <a:r>
+              <a:rPr lang="en-US" altLang="en-US" sz="1780" dirty="0">
+                <a:solidFill>
+                  <a:srgbClr val="262626"/>
+                </a:solidFill>
+              </a:rPr>
+              <a:t>How to write a program from scratch</a:t>
+            </a:r>
+            <a:endParaRPr lang="en-US" altLang="en-US" sz="1780" dirty="0">
+              <a:solidFill>
+                <a:srgbClr val="262626"/>
+              </a:solidFill>
+            </a:endParaRPr>
+          </a:p>
+          <a:p>
+            <a:pPr defTabSz="342900">
+              <a:lnSpc>
+                <a:spcPct val="120000"/>
+              </a:lnSpc>
+            </a:pPr>
+            <a:endParaRPr lang="en-US" altLang="en-US" sz="1780" dirty="0">
+              <a:solidFill>
+                <a:srgbClr val="262626"/>
+              </a:solidFill>
+            </a:endParaRPr>
+          </a:p>
+          <a:p>
+            <a:pPr marL="0" indent="0" defTabSz="342900">
+              <a:lnSpc>
+                <a:spcPct val="120000"/>
+              </a:lnSpc>
+              <a:buNone/>
+            </a:pPr>
+            <a:endParaRPr lang="en-US" altLang="en-US" sz="1780" dirty="0">
+              <a:solidFill>
+                <a:srgbClr val="262626"/>
+              </a:solidFill>
+            </a:endParaRPr>
+          </a:p>
+        </p:txBody>
+      </p:sp>
     </p:spTree>
   </p:cSld>
   <p:clrMapOvr>
@@ -7894,15 +8502,19 @@
           <a:p>
             <a:pPr algn="ctr"/>
             <a:r>
-              <a:rPr lang="en-US" altLang="en-US" sz="3200" b="1" dirty="0">
-                <a:solidFill>
-                  <a:srgbClr val="262626"/>
-                </a:solidFill>
+              <a:rPr lang="en-US" sz="3200" b="1" dirty="0">
                 <a:latin typeface="Calibri" panose="020F0502020204030204" pitchFamily="34" charset="0"/>
                 <a:cs typeface="Calibri" panose="020F0502020204030204" pitchFamily="34" charset="0"/>
                 <a:sym typeface="+mn-ea"/>
               </a:rPr>
-              <a:t>What is Node.js?</a:t>
+              <a:t>MVC </a:t>
+            </a:r>
+            <a:r>
+              <a:rPr lang="en-US" sz="3200" b="1" dirty="0">
+                <a:latin typeface="Calibri" panose="020F0502020204030204" pitchFamily="34" charset="0"/>
+                <a:cs typeface="Calibri" panose="020F0502020204030204" pitchFamily="34" charset="0"/>
+              </a:rPr>
+              <a:t>Code Demo Requirements: Registration</a:t>
             </a:r>
             <a:endParaRPr lang="zh-CN" altLang="en-US" sz="3200" b="1" dirty="0">
               <a:latin typeface="Calibri" panose="020F0502020204030204" pitchFamily="34" charset="0"/>
@@ -7911,79 +8523,27 @@
           </a:p>
         </p:txBody>
       </p:sp>
-      <p:pic>
-        <p:nvPicPr>
-          <p:cNvPr id="7" name="图片 6"/>
-          <p:cNvPicPr>
-            <a:picLocks noChangeAspect="1"/>
-          </p:cNvPicPr>
-          <p:nvPr>
-            <p:custDataLst>
-              <p:tags r:id="rId1"/>
-            </p:custDataLst>
-          </p:nvPr>
-        </p:nvPicPr>
-        <p:blipFill>
-          <a:blip r:embed="rId2"/>
-          <a:srcRect t="55386"/>
-          <a:stretch>
-            <a:fillRect/>
-          </a:stretch>
-        </p:blipFill>
+      <p:sp>
+        <p:nvSpPr>
+          <p:cNvPr id="3" name="Content Placeholder 2"/>
+          <p:cNvSpPr>
+            <a:spLocks noGrp="1"/>
+          </p:cNvSpPr>
+          <p:nvPr>
+            <p:ph idx="1"/>
+          </p:nvPr>
+        </p:nvSpPr>
         <p:spPr>
           <a:xfrm>
-            <a:off x="470535" y="2801620"/>
-            <a:ext cx="3106420" cy="2640965"/>
-          </a:xfrm>
-          <a:prstGeom prst="rect">
-            <a:avLst/>
-          </a:prstGeom>
-        </p:spPr>
-      </p:pic>
-      <p:pic>
-        <p:nvPicPr>
-          <p:cNvPr id="9" name="图片 8"/>
-          <p:cNvPicPr>
-            <a:picLocks noChangeAspect="1"/>
-          </p:cNvPicPr>
-          <p:nvPr/>
-        </p:nvPicPr>
-        <p:blipFill>
-          <a:blip r:embed="rId3"/>
-          <a:stretch>
-            <a:fillRect/>
-          </a:stretch>
-        </p:blipFill>
-        <p:spPr>
-          <a:xfrm>
-            <a:off x="4057650" y="2718435"/>
-            <a:ext cx="5086350" cy="2724150"/>
-          </a:xfrm>
-          <a:prstGeom prst="rect">
-            <a:avLst/>
-          </a:prstGeom>
-        </p:spPr>
-      </p:pic>
-      <p:sp>
-        <p:nvSpPr>
-          <p:cNvPr id="10" name="Content Placeholder 2"/>
-          <p:cNvSpPr>
-            <a:spLocks noGrp="1"/>
-          </p:cNvSpPr>
-          <p:nvPr>
-            <p:ph idx="1"/>
-          </p:nvPr>
-        </p:nvSpPr>
-        <p:spPr>
-          <a:xfrm>
-            <a:off x="628650" y="989330"/>
-            <a:ext cx="7886700" cy="5259705"/>
+            <a:off x="628650" y="989044"/>
+            <a:ext cx="7886700" cy="5605719"/>
           </a:xfrm>
         </p:spPr>
         <p:txBody>
           <a:bodyPr>
             <a:normAutofit/>
           </a:bodyPr>
+          <a:lstStyle/>
           <a:p>
             <a:pPr defTabSz="342900">
               <a:lnSpc>
@@ -7991,14 +8551,14 @@
               </a:lnSpc>
             </a:pPr>
             <a:r>
-              <a:rPr lang="en-US" altLang="en-US" sz="1800" dirty="0">
+              <a:rPr lang="en-US" altLang="en-US" sz="1780" dirty="0">
                 <a:solidFill>
                   <a:srgbClr val="262626"/>
                 </a:solidFill>
               </a:rPr>
-              <a:t>Frontend: Dowloaded in your brower</a:t>
-            </a:r>
-            <a:endParaRPr lang="en-US" altLang="en-US" sz="1800" dirty="0">
+              <a:t>tasks:</a:t>
+            </a:r>
+            <a:endParaRPr lang="en-US" altLang="en-US" sz="1780" dirty="0">
               <a:solidFill>
                 <a:srgbClr val="262626"/>
               </a:solidFill>
@@ -8011,14 +8571,119 @@
               </a:lnSpc>
             </a:pPr>
             <a:r>
-              <a:rPr lang="en-US" altLang="en-US" sz="1800" dirty="0">
+              <a:rPr lang="en-US" altLang="en-US" sz="1780" dirty="0">
                 <a:solidFill>
                   <a:srgbClr val="262626"/>
                 </a:solidFill>
               </a:rPr>
-              <a:t>Backend/Server Side: Applications deployed in the server, handling request and data query</a:t>
-            </a:r>
-            <a:endParaRPr lang="en-US" altLang="en-US" sz="1800" dirty="0">
+              <a:t>1. add views to the program</a:t>
+            </a:r>
+            <a:endParaRPr lang="en-US" altLang="en-US" sz="1780" dirty="0">
+              <a:solidFill>
+                <a:srgbClr val="262626"/>
+              </a:solidFill>
+            </a:endParaRPr>
+          </a:p>
+          <a:p>
+            <a:pPr defTabSz="342900">
+              <a:lnSpc>
+                <a:spcPct val="120000"/>
+              </a:lnSpc>
+            </a:pPr>
+            <a:r>
+              <a:rPr lang="en-US" altLang="en-US" sz="1780" dirty="0">
+                <a:solidFill>
+                  <a:srgbClr val="262626"/>
+                </a:solidFill>
+              </a:rPr>
+              <a:t>2. make the views into reuseable parts</a:t>
+            </a:r>
+            <a:endParaRPr lang="en-US" altLang="en-US" sz="1780" dirty="0">
+              <a:solidFill>
+                <a:srgbClr val="262626"/>
+              </a:solidFill>
+            </a:endParaRPr>
+          </a:p>
+          <a:p>
+            <a:pPr defTabSz="342900">
+              <a:lnSpc>
+                <a:spcPct val="120000"/>
+              </a:lnSpc>
+            </a:pPr>
+            <a:r>
+              <a:rPr lang="en-US" altLang="en-US" sz="1780" dirty="0">
+                <a:solidFill>
+                  <a:srgbClr val="262626"/>
+                </a:solidFill>
+              </a:rPr>
+              <a:t>3. connect routes and controller to the views (connect contract view to its router)</a:t>
+            </a:r>
+            <a:endParaRPr lang="en-US" altLang="en-US" sz="1780" dirty="0">
+              <a:solidFill>
+                <a:srgbClr val="262626"/>
+              </a:solidFill>
+            </a:endParaRPr>
+          </a:p>
+          <a:p>
+            <a:pPr defTabSz="342900">
+              <a:lnSpc>
+                <a:spcPct val="120000"/>
+              </a:lnSpc>
+            </a:pPr>
+            <a:r>
+              <a:rPr lang="en-US" altLang="en-US" sz="1780" dirty="0">
+                <a:solidFill>
+                  <a:srgbClr val="262626"/>
+                </a:solidFill>
+              </a:rPr>
+              <a:t>4. add auth to all routes except login page itself</a:t>
+            </a:r>
+            <a:endParaRPr lang="en-US" altLang="en-US" sz="1780" dirty="0">
+              <a:solidFill>
+                <a:srgbClr val="262626"/>
+              </a:solidFill>
+            </a:endParaRPr>
+          </a:p>
+          <a:p>
+            <a:pPr defTabSz="342900">
+              <a:lnSpc>
+                <a:spcPct val="120000"/>
+              </a:lnSpc>
+            </a:pPr>
+            <a:r>
+              <a:rPr lang="en-US" altLang="en-US" sz="1780" dirty="0">
+                <a:solidFill>
+                  <a:srgbClr val="262626"/>
+                </a:solidFill>
+              </a:rPr>
+              <a:t>5. make login frontpage connect with api to do  signup and login</a:t>
+            </a:r>
+            <a:endParaRPr lang="en-US" altLang="en-US" sz="1780" dirty="0">
+              <a:solidFill>
+                <a:srgbClr val="262626"/>
+              </a:solidFill>
+            </a:endParaRPr>
+          </a:p>
+          <a:p>
+            <a:pPr marL="0" indent="0" defTabSz="342900">
+              <a:lnSpc>
+                <a:spcPct val="120000"/>
+              </a:lnSpc>
+              <a:buNone/>
+            </a:pPr>
+            <a:endParaRPr lang="en-US" altLang="en-US" sz="1780" dirty="0">
+              <a:solidFill>
+                <a:srgbClr val="262626"/>
+              </a:solidFill>
+            </a:endParaRPr>
+          </a:p>
+          <a:p>
+            <a:pPr defTabSz="342900">
+              <a:lnSpc>
+                <a:spcPct val="120000"/>
+              </a:lnSpc>
+            </a:pPr>
+            <a:endParaRPr lang="en-US" altLang="en-US" sz="1780" dirty="0">
               <a:solidFill>
                 <a:srgbClr val="262626"/>
               </a:solidFill>
@@ -8075,13 +8740,14 @@
           <a:p>
             <a:pPr algn="ctr"/>
             <a:r>
-              <a:rPr lang="en-US" altLang="zh-CN" sz="3200" b="1" dirty="0">
+              <a:rPr lang="en-US" sz="3200" b="1" dirty="0">
                 <a:latin typeface="Calibri" panose="020F0502020204030204" pitchFamily="34" charset="0"/>
                 <a:cs typeface="Calibri" panose="020F0502020204030204" pitchFamily="34" charset="0"/>
+                <a:sym typeface="+mn-ea"/>
               </a:rPr>
-              <a:t>Code Demo</a:t>
-            </a:r>
-            <a:endParaRPr lang="en-US" altLang="zh-CN" sz="3200" b="1" dirty="0">
+              <a:t>MVC Model</a:t>
+            </a:r>
+            <a:endParaRPr lang="en-US" sz="3200" b="1" dirty="0">
               <a:latin typeface="Calibri" panose="020F0502020204030204" pitchFamily="34" charset="0"/>
               <a:cs typeface="Calibri" panose="020F0502020204030204" pitchFamily="34" charset="0"/>
             </a:endParaRPr>
@@ -8090,7 +8756,7 @@
       </p:sp>
       <p:sp>
         <p:nvSpPr>
-          <p:cNvPr id="10" name="Content Placeholder 2"/>
+          <p:cNvPr id="3" name="Content Placeholder 2"/>
           <p:cNvSpPr>
             <a:spLocks noGrp="1"/>
           </p:cNvSpPr>
@@ -8100,14 +8766,15 @@
         </p:nvSpPr>
         <p:spPr>
           <a:xfrm>
-            <a:off x="628650" y="989330"/>
-            <a:ext cx="7886700" cy="5547995"/>
+            <a:off x="628650" y="989044"/>
+            <a:ext cx="7886700" cy="5605719"/>
           </a:xfrm>
         </p:spPr>
         <p:txBody>
           <a:bodyPr>
             <a:normAutofit/>
           </a:bodyPr>
+          <a:lstStyle/>
           <a:p>
             <a:pPr defTabSz="342900">
               <a:lnSpc>
@@ -8115,14 +8782,14 @@
               </a:lnSpc>
             </a:pPr>
             <a:r>
-              <a:rPr lang="en-US" altLang="en-US" sz="1800" dirty="0">
+              <a:rPr lang="en-US" altLang="en-US" sz="1780" dirty="0">
                 <a:solidFill>
                   <a:srgbClr val="262626"/>
                 </a:solidFill>
               </a:rPr>
-              <a:t>var http = require('http');</a:t>
-            </a:r>
-            <a:endParaRPr lang="en-US" altLang="en-US" sz="1800" dirty="0">
+              <a:t>Model</a:t>
+            </a:r>
+            <a:endParaRPr lang="en-US" altLang="en-US" sz="1780" dirty="0">
               <a:solidFill>
                 <a:srgbClr val="262626"/>
               </a:solidFill>
@@ -8134,7 +8801,15 @@
                 <a:spcPct val="120000"/>
               </a:lnSpc>
             </a:pPr>
-            <a:endParaRPr lang="en-US" altLang="en-US" sz="1800" dirty="0">
+            <a:r>
+              <a:rPr lang="en-US" altLang="en-US" sz="1780" dirty="0">
+                <a:solidFill>
+                  <a:srgbClr val="262626"/>
+                </a:solidFill>
+              </a:rPr>
+              <a:t>    The central component of the pattern. It is the application's dynamic data structure, independent of the user interface.[5] It directly manages the data, logic and rules of the application.</a:t>
+            </a:r>
+            <a:endParaRPr lang="en-US" altLang="en-US" sz="1780" dirty="0">
               <a:solidFill>
                 <a:srgbClr val="262626"/>
               </a:solidFill>
@@ -8146,15 +8821,7 @@
                 <a:spcPct val="120000"/>
               </a:lnSpc>
             </a:pPr>
-            <a:r>
-              <a:rPr lang="en-US" altLang="en-US" sz="1800" dirty="0">
-                <a:solidFill>
-                  <a:srgbClr val="262626"/>
-                </a:solidFill>
-              </a:rPr>
-              <a:t>http.createServer(function (req, res) {</a:t>
-            </a:r>
-            <a:endParaRPr lang="en-US" altLang="en-US" sz="1800" dirty="0">
+            <a:endParaRPr lang="en-US" altLang="en-US" sz="1780" dirty="0">
               <a:solidFill>
                 <a:srgbClr val="262626"/>
               </a:solidFill>
@@ -8167,14 +8834,14 @@
               </a:lnSpc>
             </a:pPr>
             <a:r>
-              <a:rPr lang="en-US" altLang="en-US" sz="1800" dirty="0">
+              <a:rPr lang="en-US" altLang="en-US" sz="1780" dirty="0">
                 <a:solidFill>
                   <a:srgbClr val="262626"/>
                 </a:solidFill>
               </a:rPr>
-              <a:t>  res.writeHead(200, {'Content-Type': 'text/html'});</a:t>
-            </a:r>
-            <a:endParaRPr lang="en-US" altLang="en-US" sz="1800" dirty="0">
+              <a:t>View</a:t>
+            </a:r>
+            <a:endParaRPr lang="en-US" altLang="en-US" sz="1780" dirty="0">
               <a:solidFill>
                 <a:srgbClr val="262626"/>
               </a:solidFill>
@@ -8187,14 +8854,14 @@
               </a:lnSpc>
             </a:pPr>
             <a:r>
-              <a:rPr lang="en-US" altLang="en-US" sz="1800" dirty="0">
+              <a:rPr lang="en-US" altLang="en-US" sz="1780" dirty="0">
                 <a:solidFill>
                   <a:srgbClr val="262626"/>
                 </a:solidFill>
               </a:rPr>
-              <a:t>  res.end('Hello World!');</a:t>
-            </a:r>
-            <a:endParaRPr lang="en-US" altLang="en-US" sz="1800" dirty="0">
+              <a:t>    Any representation of information such as a chart, diagram or table. Multiple views of the same information are possible, such as a bar chart for management and a tabular view for accountants.</a:t>
+            </a:r>
+            <a:endParaRPr lang="en-US" altLang="en-US" sz="1780" dirty="0">
               <a:solidFill>
                 <a:srgbClr val="262626"/>
               </a:solidFill>
@@ -8206,15 +8873,7 @@
                 <a:spcPct val="120000"/>
               </a:lnSpc>
             </a:pPr>
-            <a:r>
-              <a:rPr lang="en-US" altLang="en-US" sz="1800" dirty="0">
-                <a:solidFill>
-                  <a:srgbClr val="262626"/>
-                </a:solidFill>
-              </a:rPr>
-              <a:t>}).listen(8080); </a:t>
-            </a:r>
-            <a:endParaRPr lang="en-US" altLang="en-US" sz="1800" dirty="0">
+            <a:endParaRPr lang="en-US" altLang="en-US" sz="1780" dirty="0">
               <a:solidFill>
                 <a:srgbClr val="262626"/>
               </a:solidFill>
@@ -8226,7 +8885,15 @@
                 <a:spcPct val="120000"/>
               </a:lnSpc>
             </a:pPr>
-            <a:endParaRPr lang="en-US" altLang="en-US" sz="1800" dirty="0">
+            <a:r>
+              <a:rPr lang="en-US" altLang="en-US" sz="1780" dirty="0">
+                <a:solidFill>
+                  <a:srgbClr val="262626"/>
+                </a:solidFill>
+              </a:rPr>
+              <a:t>Controller</a:t>
+            </a:r>
+            <a:endParaRPr lang="en-US" altLang="en-US" sz="1780" dirty="0">
               <a:solidFill>
                 <a:srgbClr val="262626"/>
               </a:solidFill>
@@ -8239,14 +8906,14 @@
               </a:lnSpc>
             </a:pPr>
             <a:r>
-              <a:rPr lang="en-US" altLang="en-US" sz="1800" dirty="0">
+              <a:rPr lang="en-US" altLang="en-US" sz="1780" dirty="0">
                 <a:solidFill>
                   <a:srgbClr val="262626"/>
                 </a:solidFill>
               </a:rPr>
-              <a:t>show chrome server and brower response</a:t>
-            </a:r>
-            <a:endParaRPr lang="en-US" altLang="en-US" sz="1800" dirty="0">
+              <a:t>    Accepts input and converts it to commands for the model or view</a:t>
+            </a:r>
+            <a:endParaRPr lang="en-US" altLang="en-US" sz="1780" dirty="0">
               <a:solidFill>
                 <a:srgbClr val="262626"/>
               </a:solidFill>
@@ -8303,13 +8970,13 @@
           <a:p>
             <a:pPr algn="ctr"/>
             <a:r>
-              <a:rPr lang="en-US" sz="3200" b="1" dirty="0">
+              <a:rPr lang="en-US" altLang="zh-CN" sz="3200" b="1" dirty="0">
                 <a:latin typeface="Calibri" panose="020F0502020204030204" pitchFamily="34" charset="0"/>
                 <a:cs typeface="Calibri" panose="020F0502020204030204" pitchFamily="34" charset="0"/>
               </a:rPr>
-              <a:t>What is Express</a:t>
-            </a:r>
-            <a:endParaRPr lang="en-US" sz="3200" b="1" dirty="0">
+              <a:t>Views: Templates</a:t>
+            </a:r>
+            <a:endParaRPr lang="zh-CN" altLang="en-US" sz="3200" b="1" dirty="0">
               <a:latin typeface="Calibri" panose="020F0502020204030204" pitchFamily="34" charset="0"/>
               <a:cs typeface="Calibri" panose="020F0502020204030204" pitchFamily="34" charset="0"/>
             </a:endParaRPr>
@@ -8318,7 +8985,7 @@
       </p:sp>
       <p:sp>
         <p:nvSpPr>
-          <p:cNvPr id="10" name="Content Placeholder 2"/>
+          <p:cNvPr id="3" name="Content Placeholder 2"/>
           <p:cNvSpPr>
             <a:spLocks noGrp="1"/>
           </p:cNvSpPr>
@@ -8328,14 +8995,15 @@
         </p:nvSpPr>
         <p:spPr>
           <a:xfrm>
-            <a:off x="628650" y="989330"/>
-            <a:ext cx="7886700" cy="5259705"/>
+            <a:off x="628650" y="989044"/>
+            <a:ext cx="7886700" cy="5605719"/>
           </a:xfrm>
         </p:spPr>
         <p:txBody>
           <a:bodyPr>
-            <a:normAutofit fontScale="90000"/>
+            <a:normAutofit/>
           </a:bodyPr>
+          <a:lstStyle/>
           <a:p>
             <a:pPr defTabSz="342900">
               <a:lnSpc>
@@ -8343,16 +9011,16 @@
               </a:lnSpc>
             </a:pPr>
             <a:r>
-              <a:rPr lang="en-US" altLang="en-US" sz="1800" dirty="0">
+              <a:rPr lang="en-US" altLang="en-US" sz="1780" dirty="0">
                 <a:solidFill>
-                  <a:srgbClr val="262626"/>
+                  <a:schemeClr val="tx1"/>
                 </a:solidFill>
               </a:rPr>
-              <a:t>What is Express.js</a:t>
-            </a:r>
-            <a:endParaRPr lang="en-US" altLang="en-US" sz="1800" dirty="0">
+              <a:t>Pug formly named Jade</a:t>
+            </a:r>
+            <a:endParaRPr lang="en-US" altLang="en-US" sz="1780" dirty="0">
               <a:solidFill>
-                <a:srgbClr val="262626"/>
+                <a:schemeClr val="tx1"/>
               </a:solidFill>
             </a:endParaRPr>
           </a:p>
@@ -8362,9 +9030,9 @@
                 <a:spcPct val="120000"/>
               </a:lnSpc>
             </a:pPr>
-            <a:endParaRPr lang="en-US" altLang="en-US" sz="1800" dirty="0">
+            <a:endParaRPr lang="en-US" altLang="en-US" sz="1780" dirty="0">
               <a:solidFill>
-                <a:srgbClr val="262626"/>
+                <a:srgbClr val="FF0000"/>
               </a:solidFill>
             </a:endParaRPr>
           </a:p>
@@ -8374,17 +9042,9 @@
                 <a:spcPct val="120000"/>
               </a:lnSpc>
             </a:pPr>
-            <a:r>
-              <a:rPr lang="en-US" altLang="en-US" sz="1800" dirty="0">
-                <a:solidFill>
-                  <a:srgbClr val="262626"/>
-                </a:solidFill>
-              </a:rPr>
-              <a:t>Express is a fast, assertive, essential and moderate web framework of Node.js. You can assume express as a layer built on the top of the Node.js that helps manage a server and routes. It provides a robust set of features to develop web and mobile applications.</a:t>
-            </a:r>
-            <a:endParaRPr lang="en-US" altLang="en-US" sz="1800" dirty="0">
+            <a:endParaRPr lang="en-US" altLang="en-US" sz="1780" dirty="0">
               <a:solidFill>
-                <a:srgbClr val="262626"/>
+                <a:srgbClr val="FF0000"/>
               </a:solidFill>
             </a:endParaRPr>
           </a:p>
@@ -8394,9 +9054,9 @@
                 <a:spcPct val="120000"/>
               </a:lnSpc>
             </a:pPr>
-            <a:endParaRPr lang="en-US" altLang="en-US" sz="1800" dirty="0">
+            <a:endParaRPr lang="en-US" altLang="en-US" sz="1780" dirty="0">
               <a:solidFill>
-                <a:srgbClr val="262626"/>
+                <a:srgbClr val="FF0000"/>
               </a:solidFill>
             </a:endParaRPr>
           </a:p>
@@ -8406,18 +9066,11 @@
                 <a:spcPct val="120000"/>
               </a:lnSpc>
             </a:pPr>
-            <a:r>
-              <a:rPr lang="en-US" altLang="en-US" sz="1800" dirty="0">
-                <a:solidFill>
-                  <a:srgbClr val="262626"/>
-                </a:solidFill>
-              </a:rPr>
-              <a:t>Let's see some of the core features of Express framework:</a:t>
-            </a:r>
-            <a:endParaRPr lang="en-US" altLang="en-US" sz="1800" dirty="0">
+            <a:endParaRPr lang="en-US" altLang="en-US" sz="1775" dirty="0">
               <a:solidFill>
                 <a:srgbClr val="262626"/>
               </a:solidFill>
+              <a:sym typeface="+mn-ea"/>
             </a:endParaRPr>
           </a:p>
           <a:p>
@@ -8426,94 +9079,80 @@
                 <a:spcPct val="120000"/>
               </a:lnSpc>
             </a:pPr>
-            <a:endParaRPr lang="en-US" altLang="en-US" sz="1800" dirty="0">
+            <a:endParaRPr lang="en-US" altLang="en-US" sz="1775" dirty="0">
               <a:solidFill>
                 <a:srgbClr val="262626"/>
               </a:solidFill>
+              <a:sym typeface="+mn-ea"/>
             </a:endParaRPr>
           </a:p>
           <a:p>
-            <a:pPr defTabSz="342900">
+            <a:pPr marL="0" indent="0" defTabSz="342900">
               <a:lnSpc>
                 <a:spcPct val="120000"/>
               </a:lnSpc>
+              <a:buNone/>
             </a:pPr>
-            <a:r>
-              <a:rPr lang="en-US" altLang="en-US" sz="1800" dirty="0">
-                <a:solidFill>
-                  <a:srgbClr val="262626"/>
-                </a:solidFill>
-              </a:rPr>
-              <a:t>    It can be used to design single-page, multi-page and hybrid web applications.</a:t>
-            </a:r>
-            <a:endParaRPr lang="en-US" altLang="en-US" sz="1800" dirty="0">
+            <a:endParaRPr lang="en-US" altLang="en-US" sz="1780" dirty="0">
               <a:solidFill>
-                <a:srgbClr val="262626"/>
+                <a:schemeClr val="tx1"/>
               </a:solidFill>
             </a:endParaRPr>
           </a:p>
-          <a:p>
-            <a:pPr defTabSz="342900">
-              <a:lnSpc>
-                <a:spcPct val="120000"/>
-              </a:lnSpc>
-            </a:pPr>
-            <a:r>
-              <a:rPr lang="en-US" altLang="en-US" sz="1800" dirty="0">
-                <a:solidFill>
-                  <a:srgbClr val="262626"/>
-                </a:solidFill>
-              </a:rPr>
-              <a:t>    It allows to setup middlewares to respond to HTTP Requests. </a:t>
-            </a:r>
-            <a:endParaRPr lang="en-US" altLang="en-US" sz="1800" dirty="0">
-              <a:solidFill>
-                <a:srgbClr val="262626"/>
-              </a:solidFill>
-            </a:endParaRPr>
-          </a:p>
-          <a:p>
-            <a:pPr defTabSz="342900">
-              <a:lnSpc>
-                <a:spcPct val="120000"/>
-              </a:lnSpc>
-            </a:pPr>
-            <a:r>
-              <a:rPr lang="en-US" altLang="en-US" sz="1800" dirty="0">
-                <a:solidFill>
-                  <a:srgbClr val="262626"/>
-                </a:solidFill>
-              </a:rPr>
-              <a:t>    It defines a routing table which is used to perform different actions based on HTTP method and URL.</a:t>
-            </a:r>
-            <a:endParaRPr lang="en-US" altLang="en-US" sz="1800" dirty="0">
-              <a:solidFill>
-                <a:srgbClr val="262626"/>
-              </a:solidFill>
-            </a:endParaRPr>
-          </a:p>
-          <a:p>
-            <a:pPr defTabSz="342900">
-              <a:lnSpc>
-                <a:spcPct val="120000"/>
-              </a:lnSpc>
-            </a:pPr>
-            <a:r>
-              <a:rPr lang="en-US" altLang="en-US" sz="1800" dirty="0">
-                <a:solidFill>
-                  <a:srgbClr val="262626"/>
-                </a:solidFill>
-              </a:rPr>
-              <a:t>    It allows to dynamically render HTML Pages based on passing arguments to templates.</a:t>
-            </a:r>
-            <a:endParaRPr lang="en-US" altLang="en-US" sz="1800" dirty="0">
-              <a:solidFill>
-                <a:srgbClr val="262626"/>
-              </a:solidFill>
-            </a:endParaRPr>
-          </a:p>
-        </p:txBody>
-      </p:sp>
+        </p:txBody>
+      </p:sp>
+      <p:pic>
+        <p:nvPicPr>
+          <p:cNvPr id="4" name="图片 3"/>
+          <p:cNvPicPr>
+            <a:picLocks noChangeAspect="1"/>
+          </p:cNvPicPr>
+          <p:nvPr>
+            <p:custDataLst>
+              <p:tags r:id="rId1"/>
+            </p:custDataLst>
+          </p:nvPr>
+        </p:nvPicPr>
+        <p:blipFill>
+          <a:blip r:embed="rId2"/>
+          <a:stretch>
+            <a:fillRect/>
+          </a:stretch>
+        </p:blipFill>
+        <p:spPr>
+          <a:xfrm>
+            <a:off x="3181350" y="682625"/>
+            <a:ext cx="5962650" cy="3324225"/>
+          </a:xfrm>
+          <a:prstGeom prst="rect">
+            <a:avLst/>
+          </a:prstGeom>
+        </p:spPr>
+      </p:pic>
+      <p:pic>
+        <p:nvPicPr>
+          <p:cNvPr id="5" name="图片 4"/>
+          <p:cNvPicPr>
+            <a:picLocks noChangeAspect="1"/>
+          </p:cNvPicPr>
+          <p:nvPr/>
+        </p:nvPicPr>
+        <p:blipFill>
+          <a:blip r:embed="rId3"/>
+          <a:stretch>
+            <a:fillRect/>
+          </a:stretch>
+        </p:blipFill>
+        <p:spPr>
+          <a:xfrm>
+            <a:off x="981075" y="3933825"/>
+            <a:ext cx="7181850" cy="2924175"/>
+          </a:xfrm>
+          <a:prstGeom prst="rect">
+            <a:avLst/>
+          </a:prstGeom>
+        </p:spPr>
+      </p:pic>
     </p:spTree>
   </p:cSld>
   <p:clrMapOvr>
@@ -8563,13 +9202,13 @@
           <a:p>
             <a:pPr algn="ctr"/>
             <a:r>
-              <a:rPr lang="en-US" sz="3200" b="1" dirty="0">
+              <a:rPr lang="en-US" altLang="zh-CN" sz="3200" b="1" dirty="0">
                 <a:latin typeface="Calibri" panose="020F0502020204030204" pitchFamily="34" charset="0"/>
                 <a:cs typeface="Calibri" panose="020F0502020204030204" pitchFamily="34" charset="0"/>
               </a:rPr>
-              <a:t>Code Demo</a:t>
-            </a:r>
-            <a:endParaRPr lang="en-US" sz="3200" b="1" dirty="0">
+              <a:t>Views: Templates</a:t>
+            </a:r>
+            <a:endParaRPr lang="zh-CN" altLang="en-US" sz="3200" b="1" dirty="0">
               <a:latin typeface="Calibri" panose="020F0502020204030204" pitchFamily="34" charset="0"/>
               <a:cs typeface="Calibri" panose="020F0502020204030204" pitchFamily="34" charset="0"/>
             </a:endParaRPr>
@@ -8578,7 +9217,7 @@
       </p:sp>
       <p:sp>
         <p:nvSpPr>
-          <p:cNvPr id="10" name="Content Placeholder 2"/>
+          <p:cNvPr id="3" name="Content Placeholder 2"/>
           <p:cNvSpPr>
             <a:spLocks noGrp="1"/>
           </p:cNvSpPr>
@@ -8588,14 +9227,15 @@
         </p:nvSpPr>
         <p:spPr>
           <a:xfrm>
-            <a:off x="628650" y="989330"/>
-            <a:ext cx="7886700" cy="5259705"/>
+            <a:off x="628650" y="989044"/>
+            <a:ext cx="7886700" cy="5605719"/>
           </a:xfrm>
         </p:spPr>
         <p:txBody>
           <a:bodyPr>
             <a:normAutofit/>
           </a:bodyPr>
+          <a:lstStyle/>
           <a:p>
             <a:pPr defTabSz="342900">
               <a:lnSpc>
@@ -8603,16 +9243,16 @@
               </a:lnSpc>
             </a:pPr>
             <a:r>
-              <a:rPr lang="en-US" altLang="en-US" sz="1800" dirty="0">
+              <a:rPr lang="en-US" altLang="en-US" sz="1780" dirty="0">
                 <a:solidFill>
-                  <a:srgbClr val="262626"/>
+                  <a:schemeClr val="tx1"/>
                 </a:solidFill>
               </a:rPr>
-              <a:t>var express = require('express');</a:t>
-            </a:r>
-            <a:endParaRPr lang="en-US" altLang="en-US" sz="1800" dirty="0">
+              <a:t>EJS: html + code https://github.com/tj/ejs</a:t>
+            </a:r>
+            <a:endParaRPr lang="en-US" altLang="en-US" sz="1780" dirty="0">
               <a:solidFill>
-                <a:srgbClr val="262626"/>
+                <a:schemeClr val="tx1"/>
               </a:solidFill>
             </a:endParaRPr>
           </a:p>
@@ -8622,126 +9262,38 @@
                 <a:spcPct val="120000"/>
               </a:lnSpc>
             </a:pPr>
-            <a:r>
-              <a:rPr lang="en-US" altLang="en-US" sz="1800" dirty="0">
-                <a:solidFill>
-                  <a:srgbClr val="262626"/>
-                </a:solidFill>
-              </a:rPr>
-              <a:t>var app = express();</a:t>
-            </a:r>
-            <a:endParaRPr lang="en-US" altLang="en-US" sz="1800" dirty="0">
+            <a:endParaRPr lang="en-US" altLang="en-US" sz="1780" dirty="0">
               <a:solidFill>
-                <a:srgbClr val="262626"/>
+                <a:schemeClr val="tx1"/>
               </a:solidFill>
             </a:endParaRPr>
           </a:p>
-          <a:p>
-            <a:pPr defTabSz="342900">
-              <a:lnSpc>
-                <a:spcPct val="120000"/>
-              </a:lnSpc>
-            </a:pPr>
-            <a:endParaRPr lang="en-US" altLang="en-US" sz="1800" dirty="0">
-              <a:solidFill>
-                <a:srgbClr val="262626"/>
-              </a:solidFill>
-            </a:endParaRPr>
-          </a:p>
-          <a:p>
-            <a:pPr defTabSz="342900">
-              <a:lnSpc>
-                <a:spcPct val="120000"/>
-              </a:lnSpc>
-            </a:pPr>
-            <a:r>
-              <a:rPr lang="en-US" altLang="en-US" sz="1800" dirty="0">
-                <a:solidFill>
-                  <a:srgbClr val="262626"/>
-                </a:solidFill>
-              </a:rPr>
-              <a:t>app.get('/', function(req, res){</a:t>
-            </a:r>
-            <a:endParaRPr lang="en-US" altLang="en-US" sz="1800" dirty="0">
-              <a:solidFill>
-                <a:srgbClr val="262626"/>
-              </a:solidFill>
-            </a:endParaRPr>
-          </a:p>
-          <a:p>
-            <a:pPr defTabSz="342900">
-              <a:lnSpc>
-                <a:spcPct val="120000"/>
-              </a:lnSpc>
-            </a:pPr>
-            <a:r>
-              <a:rPr lang="en-US" altLang="en-US" sz="1800" dirty="0">
-                <a:solidFill>
-                  <a:srgbClr val="262626"/>
-                </a:solidFill>
-              </a:rPr>
-              <a:t>   res.send("Hello world!");</a:t>
-            </a:r>
-            <a:endParaRPr lang="en-US" altLang="en-US" sz="1800" dirty="0">
-              <a:solidFill>
-                <a:srgbClr val="262626"/>
-              </a:solidFill>
-            </a:endParaRPr>
-          </a:p>
-          <a:p>
-            <a:pPr defTabSz="342900">
-              <a:lnSpc>
-                <a:spcPct val="120000"/>
-              </a:lnSpc>
-            </a:pPr>
-            <a:r>
-              <a:rPr lang="en-US" altLang="en-US" sz="1800" dirty="0">
-                <a:solidFill>
-                  <a:srgbClr val="262626"/>
-                </a:solidFill>
-              </a:rPr>
-              <a:t>});</a:t>
-            </a:r>
-            <a:endParaRPr lang="en-US" altLang="en-US" sz="1800" dirty="0">
-              <a:solidFill>
-                <a:srgbClr val="262626"/>
-              </a:solidFill>
-            </a:endParaRPr>
-          </a:p>
-          <a:p>
-            <a:pPr defTabSz="342900">
-              <a:lnSpc>
-                <a:spcPct val="120000"/>
-              </a:lnSpc>
-            </a:pPr>
-            <a:endParaRPr lang="en-US" altLang="en-US" sz="1800" dirty="0">
-              <a:solidFill>
-                <a:srgbClr val="262626"/>
-              </a:solidFill>
-            </a:endParaRPr>
-          </a:p>
-          <a:p>
-            <a:pPr defTabSz="342900">
-              <a:lnSpc>
-                <a:spcPct val="120000"/>
-              </a:lnSpc>
-            </a:pPr>
-            <a:r>
-              <a:rPr lang="en-US" altLang="en-US" sz="1800" dirty="0">
-                <a:solidFill>
-                  <a:srgbClr val="262626"/>
-                </a:solidFill>
-              </a:rPr>
-              <a:t>app.listen(3000);</a:t>
-            </a:r>
-            <a:endParaRPr lang="en-US" altLang="en-US" sz="1800" dirty="0">
-              <a:solidFill>
-                <a:srgbClr val="262626"/>
-              </a:solidFill>
-            </a:endParaRPr>
-          </a:p>
-        </p:txBody>
-      </p:sp>
+        </p:txBody>
+      </p:sp>
+      <p:pic>
+        <p:nvPicPr>
+          <p:cNvPr id="5" name="图片 4"/>
+          <p:cNvPicPr>
+            <a:picLocks noChangeAspect="1"/>
+          </p:cNvPicPr>
+          <p:nvPr/>
+        </p:nvPicPr>
+        <p:blipFill>
+          <a:blip r:embed="rId1"/>
+          <a:stretch>
+            <a:fillRect/>
+          </a:stretch>
+        </p:blipFill>
+        <p:spPr>
+          <a:xfrm>
+            <a:off x="628650" y="1644015"/>
+            <a:ext cx="6181725" cy="4295775"/>
+          </a:xfrm>
+          <a:prstGeom prst="rect">
+            <a:avLst/>
+          </a:prstGeom>
+        </p:spPr>
+      </p:pic>
     </p:spTree>
   </p:cSld>
   <p:clrMapOvr>
@@ -8791,13 +9343,13 @@
           <a:p>
             <a:pPr algn="ctr"/>
             <a:r>
-              <a:rPr lang="en-US" sz="3200" b="1" dirty="0">
+              <a:rPr lang="en-US" altLang="zh-CN" sz="3200" b="1" dirty="0">
                 <a:latin typeface="Calibri" panose="020F0502020204030204" pitchFamily="34" charset="0"/>
                 <a:cs typeface="Calibri" panose="020F0502020204030204" pitchFamily="34" charset="0"/>
               </a:rPr>
-              <a:t>MVC</a:t>
-            </a:r>
-            <a:endParaRPr lang="en-US" sz="3200" b="1" dirty="0">
+              <a:t>Views: Templates</a:t>
+            </a:r>
+            <a:endParaRPr lang="zh-CN" altLang="en-US" sz="3200" b="1" dirty="0">
               <a:latin typeface="Calibri" panose="020F0502020204030204" pitchFamily="34" charset="0"/>
               <a:cs typeface="Calibri" panose="020F0502020204030204" pitchFamily="34" charset="0"/>
             </a:endParaRPr>
@@ -8806,7 +9358,7 @@
       </p:sp>
       <p:sp>
         <p:nvSpPr>
-          <p:cNvPr id="10" name="Content Placeholder 2"/>
+          <p:cNvPr id="3" name="Content Placeholder 2"/>
           <p:cNvSpPr>
             <a:spLocks noGrp="1"/>
           </p:cNvSpPr>
@@ -8816,14 +9368,15 @@
         </p:nvSpPr>
         <p:spPr>
           <a:xfrm>
-            <a:off x="628650" y="989330"/>
-            <a:ext cx="7886700" cy="5259705"/>
+            <a:off x="628650" y="989044"/>
+            <a:ext cx="7886700" cy="5605719"/>
           </a:xfrm>
         </p:spPr>
         <p:txBody>
           <a:bodyPr>
-            <a:normAutofit fontScale="90000" lnSpcReduction="20000"/>
+            <a:normAutofit/>
           </a:bodyPr>
+          <a:lstStyle/>
           <a:p>
             <a:pPr defTabSz="342900">
               <a:lnSpc>
@@ -8831,16 +9384,16 @@
               </a:lnSpc>
             </a:pPr>
             <a:r>
-              <a:rPr lang="en-US" altLang="en-US" sz="1800" dirty="0">
+              <a:rPr lang="en-US" altLang="en-US" sz="1780" dirty="0">
                 <a:solidFill>
-                  <a:srgbClr val="262626"/>
+                  <a:schemeClr val="tx1"/>
                 </a:solidFill>
               </a:rPr>
-              <a:t>The MVC pattern, in a nutshell, is this:</a:t>
-            </a:r>
-            <a:endParaRPr lang="en-US" altLang="en-US" sz="1800" dirty="0">
+              <a:t>EJS: includes</a:t>
+            </a:r>
+            <a:endParaRPr lang="en-US" altLang="en-US" sz="1780" dirty="0">
               <a:solidFill>
-                <a:srgbClr val="262626"/>
+                <a:schemeClr val="tx1"/>
               </a:solidFill>
             </a:endParaRPr>
           </a:p>
@@ -8850,9 +9403,17 @@
                 <a:spcPct val="120000"/>
               </a:lnSpc>
             </a:pPr>
-            <a:endParaRPr lang="en-US" altLang="en-US" sz="1800" dirty="0">
+            <a:r>
+              <a:rPr lang="en-US" altLang="en-US" sz="1780" dirty="0">
+                <a:solidFill>
+                  <a:schemeClr val="tx1"/>
+                </a:solidFill>
+              </a:rPr>
+              <a:t>makeing html managable </a:t>
+            </a:r>
+            <a:endParaRPr lang="en-US" altLang="en-US" sz="1780" dirty="0">
               <a:solidFill>
-                <a:srgbClr val="262626"/>
+                <a:schemeClr val="tx1"/>
               </a:solidFill>
             </a:endParaRPr>
           </a:p>
@@ -8862,150 +9423,38 @@
                 <a:spcPct val="120000"/>
               </a:lnSpc>
             </a:pPr>
-            <a:r>
-              <a:rPr lang="en-US" altLang="en-US" sz="1800" dirty="0">
-                <a:solidFill>
-                  <a:srgbClr val="262626"/>
-                </a:solidFill>
-              </a:rPr>
-              <a:t>    The model represents the data, and does nothing else. The model does NOT depend on the controller or the view.</a:t>
-            </a:r>
-            <a:endParaRPr lang="en-US" altLang="en-US" sz="1800" dirty="0">
+            <a:endParaRPr lang="en-US" altLang="en-US" sz="1780" dirty="0">
               <a:solidFill>
-                <a:srgbClr val="262626"/>
+                <a:schemeClr val="tx1"/>
               </a:solidFill>
             </a:endParaRPr>
           </a:p>
-          <a:p>
-            <a:pPr defTabSz="342900">
-              <a:lnSpc>
-                <a:spcPct val="120000"/>
-              </a:lnSpc>
-            </a:pPr>
-            <a:endParaRPr lang="en-US" altLang="en-US" sz="1800" dirty="0">
-              <a:solidFill>
-                <a:srgbClr val="262626"/>
-              </a:solidFill>
-            </a:endParaRPr>
-          </a:p>
-          <a:p>
-            <a:pPr defTabSz="342900">
-              <a:lnSpc>
-                <a:spcPct val="120000"/>
-              </a:lnSpc>
-            </a:pPr>
-            <a:r>
-              <a:rPr lang="en-US" altLang="en-US" sz="1800" dirty="0">
-                <a:solidFill>
-                  <a:srgbClr val="262626"/>
-                </a:solidFill>
-              </a:rPr>
-              <a:t>    The view displays the model data, and sends user actions (e.g. button clicks) to the controller. The view can:</a:t>
-            </a:r>
-            <a:endParaRPr lang="en-US" altLang="en-US" sz="1800" dirty="0">
-              <a:solidFill>
-                <a:srgbClr val="262626"/>
-              </a:solidFill>
-            </a:endParaRPr>
-          </a:p>
-          <a:p>
-            <a:pPr defTabSz="342900">
-              <a:lnSpc>
-                <a:spcPct val="120000"/>
-              </a:lnSpc>
-            </a:pPr>
-            <a:endParaRPr lang="en-US" altLang="en-US" sz="1800" dirty="0">
-              <a:solidFill>
-                <a:srgbClr val="262626"/>
-              </a:solidFill>
-            </a:endParaRPr>
-          </a:p>
-          <a:p>
-            <a:pPr defTabSz="342900">
-              <a:lnSpc>
-                <a:spcPct val="120000"/>
-              </a:lnSpc>
-            </a:pPr>
-            <a:r>
-              <a:rPr lang="en-US" altLang="en-US" sz="1800" dirty="0">
-                <a:solidFill>
-                  <a:srgbClr val="262626"/>
-                </a:solidFill>
-              </a:rPr>
-              <a:t>        be independent of both the model and the controller; or</a:t>
-            </a:r>
-            <a:endParaRPr lang="en-US" altLang="en-US" sz="1800" dirty="0">
-              <a:solidFill>
-                <a:srgbClr val="262626"/>
-              </a:solidFill>
-            </a:endParaRPr>
-          </a:p>
-          <a:p>
-            <a:pPr defTabSz="342900">
-              <a:lnSpc>
-                <a:spcPct val="120000"/>
-              </a:lnSpc>
-            </a:pPr>
-            <a:endParaRPr lang="en-US" altLang="en-US" sz="1800" dirty="0">
-              <a:solidFill>
-                <a:srgbClr val="262626"/>
-              </a:solidFill>
-            </a:endParaRPr>
-          </a:p>
-          <a:p>
-            <a:pPr defTabSz="342900">
-              <a:lnSpc>
-                <a:spcPct val="120000"/>
-              </a:lnSpc>
-            </a:pPr>
-            <a:r>
-              <a:rPr lang="en-US" altLang="en-US" sz="1800" dirty="0">
-                <a:solidFill>
-                  <a:srgbClr val="262626"/>
-                </a:solidFill>
-              </a:rPr>
-              <a:t>        actually be the controller, and therefore depend on the model.</a:t>
-            </a:r>
-            <a:endParaRPr lang="en-US" altLang="en-US" sz="1800" dirty="0">
-              <a:solidFill>
-                <a:srgbClr val="262626"/>
-              </a:solidFill>
-            </a:endParaRPr>
-          </a:p>
-          <a:p>
-            <a:pPr defTabSz="342900">
-              <a:lnSpc>
-                <a:spcPct val="120000"/>
-              </a:lnSpc>
-            </a:pPr>
-            <a:endParaRPr lang="en-US" altLang="en-US" sz="1800" dirty="0">
-              <a:solidFill>
-                <a:srgbClr val="262626"/>
-              </a:solidFill>
-            </a:endParaRPr>
-          </a:p>
-          <a:p>
-            <a:pPr defTabSz="342900">
-              <a:lnSpc>
-                <a:spcPct val="120000"/>
-              </a:lnSpc>
-            </a:pPr>
-            <a:r>
-              <a:rPr lang="en-US" altLang="en-US" sz="1800" dirty="0">
-                <a:solidFill>
-                  <a:srgbClr val="262626"/>
-                </a:solidFill>
-              </a:rPr>
-              <a:t>    The controller provides model data to the view, and interprets user actions such as button clicks. The controller depends on the view and the model. In some cases, the controller and the view are the same object.</a:t>
-            </a:r>
-            <a:endParaRPr lang="en-US" altLang="en-US" sz="1800" dirty="0">
-              <a:solidFill>
-                <a:srgbClr val="262626"/>
-              </a:solidFill>
-            </a:endParaRPr>
-          </a:p>
-        </p:txBody>
-      </p:sp>
+        </p:txBody>
+      </p:sp>
+      <p:pic>
+        <p:nvPicPr>
+          <p:cNvPr id="6" name="图片 5"/>
+          <p:cNvPicPr>
+            <a:picLocks noChangeAspect="1"/>
+          </p:cNvPicPr>
+          <p:nvPr/>
+        </p:nvPicPr>
+        <p:blipFill>
+          <a:blip r:embed="rId1"/>
+          <a:stretch>
+            <a:fillRect/>
+          </a:stretch>
+        </p:blipFill>
+        <p:spPr>
+          <a:xfrm>
+            <a:off x="628650" y="2720340"/>
+            <a:ext cx="6746875" cy="1768475"/>
+          </a:xfrm>
+          <a:prstGeom prst="rect">
+            <a:avLst/>
+          </a:prstGeom>
+        </p:spPr>
+      </p:pic>
     </p:spTree>
   </p:cSld>
   <p:clrMapOvr>
@@ -9055,22 +9504,246 @@
           <a:p>
             <a:pPr algn="ctr"/>
             <a:r>
-              <a:rPr lang="en-US" sz="3200" b="1" dirty="0">
+              <a:rPr lang="en-US" altLang="zh-CN" sz="3200" b="1" dirty="0">
                 <a:latin typeface="Calibri" panose="020F0502020204030204" pitchFamily="34" charset="0"/>
                 <a:cs typeface="Calibri" panose="020F0502020204030204" pitchFamily="34" charset="0"/>
               </a:rPr>
-              <a:t>MVC</a:t>
-            </a:r>
-            <a:endParaRPr lang="en-US" sz="3200" b="1" dirty="0">
+              <a:t>Views: Pass Parameters down to the View</a:t>
+            </a:r>
+            <a:endParaRPr lang="zh-CN" altLang="en-US" sz="3200" b="1" dirty="0">
               <a:latin typeface="Calibri" panose="020F0502020204030204" pitchFamily="34" charset="0"/>
               <a:cs typeface="Calibri" panose="020F0502020204030204" pitchFamily="34" charset="0"/>
             </a:endParaRPr>
           </a:p>
         </p:txBody>
       </p:sp>
+      <p:sp>
+        <p:nvSpPr>
+          <p:cNvPr id="3" name="Content Placeholder 2"/>
+          <p:cNvSpPr>
+            <a:spLocks noGrp="1"/>
+          </p:cNvSpPr>
+          <p:nvPr>
+            <p:ph idx="1"/>
+          </p:nvPr>
+        </p:nvSpPr>
+        <p:spPr>
+          <a:xfrm>
+            <a:off x="628650" y="989044"/>
+            <a:ext cx="7886700" cy="5605719"/>
+          </a:xfrm>
+        </p:spPr>
+        <p:txBody>
+          <a:bodyPr>
+            <a:normAutofit/>
+          </a:bodyPr>
+          <a:lstStyle/>
+          <a:p>
+            <a:pPr defTabSz="342900">
+              <a:lnSpc>
+                <a:spcPct val="120000"/>
+              </a:lnSpc>
+            </a:pPr>
+            <a:r>
+              <a:rPr lang="en-US" altLang="en-US" sz="1780" dirty="0">
+                <a:solidFill>
+                  <a:srgbClr val="FF0000"/>
+                </a:solidFill>
+              </a:rPr>
+              <a:t>Code Demo:</a:t>
+            </a:r>
+            <a:r>
+              <a:rPr lang="zh-CN" altLang="en-US" sz="1780" dirty="0">
+                <a:solidFill>
+                  <a:srgbClr val="FF0000"/>
+                </a:solidFill>
+              </a:rPr>
+              <a:t> </a:t>
+            </a:r>
+            <a:r>
+              <a:rPr lang="en-US" altLang="zh-CN" sz="1780" dirty="0">
+                <a:solidFill>
+                  <a:srgbClr val="FF0000"/>
+                </a:solidFill>
+              </a:rPr>
+              <a:t>pass params</a:t>
+            </a:r>
+            <a:endParaRPr lang="en-US" altLang="en-US" sz="1780" dirty="0">
+              <a:solidFill>
+                <a:srgbClr val="FF0000"/>
+              </a:solidFill>
+            </a:endParaRPr>
+          </a:p>
+          <a:p>
+            <a:pPr defTabSz="342900">
+              <a:lnSpc>
+                <a:spcPct val="120000"/>
+              </a:lnSpc>
+            </a:pPr>
+            <a:endParaRPr lang="en-US" altLang="en-US" sz="1780" dirty="0">
+              <a:solidFill>
+                <a:srgbClr val="FF0000"/>
+              </a:solidFill>
+            </a:endParaRPr>
+          </a:p>
+          <a:p>
+            <a:pPr defTabSz="342900">
+              <a:lnSpc>
+                <a:spcPct val="120000"/>
+              </a:lnSpc>
+            </a:pPr>
+            <a:endParaRPr lang="en-US" altLang="en-US" sz="1780" dirty="0">
+              <a:solidFill>
+                <a:srgbClr val="FF0000"/>
+              </a:solidFill>
+            </a:endParaRPr>
+          </a:p>
+          <a:p>
+            <a:pPr defTabSz="342900">
+              <a:lnSpc>
+                <a:spcPct val="120000"/>
+              </a:lnSpc>
+            </a:pPr>
+            <a:endParaRPr lang="en-US" altLang="en-US" sz="1780" dirty="0">
+              <a:solidFill>
+                <a:srgbClr val="FF0000"/>
+              </a:solidFill>
+            </a:endParaRPr>
+          </a:p>
+          <a:p>
+            <a:pPr defTabSz="342900">
+              <a:lnSpc>
+                <a:spcPct val="120000"/>
+              </a:lnSpc>
+            </a:pPr>
+            <a:endParaRPr lang="en-US" altLang="en-US" sz="1780" dirty="0">
+              <a:solidFill>
+                <a:srgbClr val="FF0000"/>
+              </a:solidFill>
+            </a:endParaRPr>
+          </a:p>
+          <a:p>
+            <a:pPr defTabSz="342900">
+              <a:lnSpc>
+                <a:spcPct val="120000"/>
+              </a:lnSpc>
+            </a:pPr>
+            <a:endParaRPr lang="en-US" altLang="en-US" sz="1780" dirty="0">
+              <a:solidFill>
+                <a:srgbClr val="FF0000"/>
+              </a:solidFill>
+            </a:endParaRPr>
+          </a:p>
+          <a:p>
+            <a:pPr defTabSz="342900">
+              <a:lnSpc>
+                <a:spcPct val="120000"/>
+              </a:lnSpc>
+            </a:pPr>
+            <a:r>
+              <a:rPr lang="en-US" altLang="en-US" sz="1780" dirty="0">
+                <a:solidFill>
+                  <a:srgbClr val="FF0000"/>
+                </a:solidFill>
+              </a:rPr>
+              <a:t>Code Demo: check login logic</a:t>
+            </a:r>
+            <a:endParaRPr lang="en-US" altLang="en-US" sz="1780" dirty="0">
+              <a:solidFill>
+                <a:srgbClr val="FF0000"/>
+              </a:solidFill>
+            </a:endParaRPr>
+          </a:p>
+          <a:p>
+            <a:pPr defTabSz="342900">
+              <a:lnSpc>
+                <a:spcPct val="120000"/>
+              </a:lnSpc>
+            </a:pPr>
+            <a:endParaRPr lang="en-US" altLang="en-US" sz="1780" dirty="0">
+              <a:solidFill>
+                <a:srgbClr val="FF0000"/>
+              </a:solidFill>
+            </a:endParaRPr>
+          </a:p>
+          <a:p>
+            <a:pPr defTabSz="342900">
+              <a:lnSpc>
+                <a:spcPct val="120000"/>
+              </a:lnSpc>
+            </a:pPr>
+            <a:endParaRPr lang="en-US" altLang="en-US" sz="1780" dirty="0">
+              <a:solidFill>
+                <a:srgbClr val="FF0000"/>
+              </a:solidFill>
+            </a:endParaRPr>
+          </a:p>
+          <a:p>
+            <a:pPr defTabSz="342900">
+              <a:lnSpc>
+                <a:spcPct val="120000"/>
+              </a:lnSpc>
+            </a:pPr>
+            <a:endParaRPr lang="en-US" altLang="en-US" sz="1780" dirty="0">
+              <a:solidFill>
+                <a:srgbClr val="FF0000"/>
+              </a:solidFill>
+            </a:endParaRPr>
+          </a:p>
+          <a:p>
+            <a:pPr defTabSz="342900">
+              <a:lnSpc>
+                <a:spcPct val="120000"/>
+              </a:lnSpc>
+            </a:pPr>
+            <a:endParaRPr lang="en-US" altLang="en-US" sz="1780" dirty="0">
+              <a:solidFill>
+                <a:srgbClr val="FF0000"/>
+              </a:solidFill>
+            </a:endParaRPr>
+          </a:p>
+          <a:p>
+            <a:pPr defTabSz="342900">
+              <a:lnSpc>
+                <a:spcPct val="120000"/>
+              </a:lnSpc>
+            </a:pPr>
+            <a:endParaRPr lang="en-US" altLang="en-US" sz="1780" dirty="0">
+              <a:solidFill>
+                <a:srgbClr val="FF0000"/>
+              </a:solidFill>
+            </a:endParaRPr>
+          </a:p>
+          <a:p>
+            <a:pPr defTabSz="342900">
+              <a:lnSpc>
+                <a:spcPct val="120000"/>
+              </a:lnSpc>
+            </a:pPr>
+            <a:endParaRPr lang="en-US" altLang="en-US" sz="1775" dirty="0">
+              <a:solidFill>
+                <a:srgbClr val="262626"/>
+              </a:solidFill>
+              <a:sym typeface="+mn-ea"/>
+            </a:endParaRPr>
+          </a:p>
+          <a:p>
+            <a:pPr defTabSz="342900">
+              <a:lnSpc>
+                <a:spcPct val="120000"/>
+              </a:lnSpc>
+            </a:pPr>
+            <a:endParaRPr lang="en-US" altLang="en-US" sz="1780" dirty="0">
+              <a:solidFill>
+                <a:srgbClr val="FF0000"/>
+              </a:solidFill>
+            </a:endParaRPr>
+          </a:p>
+        </p:txBody>
+      </p:sp>
       <p:pic>
         <p:nvPicPr>
-          <p:cNvPr id="6" name="图片 5"/>
+          <p:cNvPr id="4" name="图片 3"/>
           <p:cNvPicPr>
             <a:picLocks noChangeAspect="1"/>
           </p:cNvPicPr>
@@ -9084,61 +9757,14 @@
         </p:blipFill>
         <p:spPr>
           <a:xfrm>
-            <a:off x="948055" y="970915"/>
-            <a:ext cx="7248525" cy="5619750"/>
+            <a:off x="1041400" y="1569720"/>
+            <a:ext cx="4238625" cy="1771650"/>
           </a:xfrm>
           <a:prstGeom prst="rect">
             <a:avLst/>
           </a:prstGeom>
         </p:spPr>
       </p:pic>
-      <p:sp>
-        <p:nvSpPr>
-          <p:cNvPr id="8" name="乘号 7"/>
-          <p:cNvSpPr/>
-          <p:nvPr/>
-        </p:nvSpPr>
-        <p:spPr>
-          <a:xfrm>
-            <a:off x="4091940" y="3011170"/>
-            <a:ext cx="1339850" cy="2520950"/>
-          </a:xfrm>
-          <a:prstGeom prst="mathMultiply">
-            <a:avLst/>
-          </a:prstGeom>
-          <a:noFill/>
-          <a:extLst>
-            <a:ext uri="{909E8E84-426E-40DD-AFC4-6F175D3DCCD1}">
-              <a14:hiddenFill xmlns:a14="http://schemas.microsoft.com/office/drawing/2010/main">
-                <a:solidFill>
-                  <a:schemeClr val="lt1"/>
-                </a:solidFill>
-              </a14:hiddenFill>
-            </a:ext>
-          </a:extLst>
-        </p:spPr>
-        <p:style>
-          <a:lnRef idx="2">
-            <a:schemeClr val="accent6"/>
-          </a:lnRef>
-          <a:fillRef idx="1">
-            <a:schemeClr val="lt1"/>
-          </a:fillRef>
-          <a:effectRef idx="0">
-            <a:schemeClr val="accent6"/>
-          </a:effectRef>
-          <a:fontRef idx="minor">
-            <a:schemeClr val="dk1"/>
-          </a:fontRef>
-        </p:style>
-        <p:txBody>
-          <a:bodyPr rtlCol="0" anchor="ctr"/>
-          <a:p>
-            <a:pPr algn="ctr"/>
-            <a:endParaRPr lang="zh-CN" altLang="en-US"/>
-          </a:p>
-        </p:txBody>
-      </p:sp>
     </p:spTree>
   </p:cSld>
   <p:clrMapOvr>
@@ -9149,7 +9775,7 @@
 
 <file path=ppt/tags/tag1.xml><?xml version="1.0" encoding="utf-8"?>
 <p:tagLst xmlns:p="http://schemas.openxmlformats.org/presentationml/2006/main">
-  <p:tag name="KSO_WM_UNIT_PLACING_PICTURE_USER_VIEWPORT" val="{&quot;height&quot;:10290,&quot;width&quot;:5400}"/>
+  <p:tag name="KSO_WM_UNIT_PLACING_PICTURE_USER_VIEWPORT" val="{&quot;height&quot;:5235,&quot;width&quot;:9390}"/>
 </p:tagLst>
 </file>
 

--- a/BCI - Day11 - Node-Express 2.pptx
+++ b/BCI - Day11 - Node-Express 2.pptx
@@ -17,10 +17,11 @@
     <p:sldId id="1854" r:id="rId10"/>
     <p:sldId id="1852" r:id="rId11"/>
     <p:sldId id="1849" r:id="rId12"/>
-    <p:sldId id="1861" r:id="rId13"/>
-    <p:sldId id="1855" r:id="rId14"/>
-    <p:sldId id="1850" r:id="rId15"/>
-    <p:sldId id="1851" r:id="rId16"/>
+    <p:sldId id="1850" r:id="rId13"/>
+    <p:sldId id="1862" r:id="rId14"/>
+    <p:sldId id="1861" r:id="rId15"/>
+    <p:sldId id="1855" r:id="rId16"/>
+    <p:sldId id="1851" r:id="rId17"/>
   </p:sldIdLst>
   <p:sldSz cx="9144000" cy="6858000" type="screen4x3"/>
   <p:notesSz cx="7315200" cy="9601200"/>
@@ -7308,383 +7309,6 @@
                 <a:latin typeface="Calibri" panose="020F0502020204030204" pitchFamily="34" charset="0"/>
                 <a:cs typeface="Calibri" panose="020F0502020204030204" pitchFamily="34" charset="0"/>
               </a:rPr>
-              <a:t>Middleware</a:t>
-            </a:r>
-            <a:endParaRPr lang="en-US" altLang="zh-CN" sz="3200" b="1" dirty="0">
-              <a:latin typeface="Calibri" panose="020F0502020204030204" pitchFamily="34" charset="0"/>
-              <a:cs typeface="Calibri" panose="020F0502020204030204" pitchFamily="34" charset="0"/>
-            </a:endParaRPr>
-          </a:p>
-        </p:txBody>
-      </p:sp>
-      <p:sp>
-        <p:nvSpPr>
-          <p:cNvPr id="3" name="Content Placeholder 2"/>
-          <p:cNvSpPr>
-            <a:spLocks noGrp="1"/>
-          </p:cNvSpPr>
-          <p:nvPr>
-            <p:ph idx="1"/>
-          </p:nvPr>
-        </p:nvSpPr>
-        <p:spPr>
-          <a:xfrm>
-            <a:off x="628650" y="989044"/>
-            <a:ext cx="7886700" cy="5605719"/>
-          </a:xfrm>
-        </p:spPr>
-        <p:txBody>
-          <a:bodyPr>
-            <a:normAutofit/>
-          </a:bodyPr>
-          <a:lstStyle/>
-          <a:p>
-            <a:pPr defTabSz="342900">
-              <a:lnSpc>
-                <a:spcPct val="120000"/>
-              </a:lnSpc>
-            </a:pPr>
-            <a:r>
-              <a:rPr lang="en-US" altLang="en-US" sz="1780" dirty="0">
-                <a:solidFill>
-                  <a:srgbClr val="262626"/>
-                </a:solidFill>
-              </a:rPr>
-              <a:t>https://www.geeksforgeeks.org/file-uploading-in-node-js/</a:t>
-            </a:r>
-            <a:endParaRPr lang="en-US" altLang="en-US" sz="1780" dirty="0">
-              <a:solidFill>
-                <a:srgbClr val="262626"/>
-              </a:solidFill>
-            </a:endParaRPr>
-          </a:p>
-        </p:txBody>
-      </p:sp>
-      <p:pic>
-        <p:nvPicPr>
-          <p:cNvPr id="4" name="图片 3"/>
-          <p:cNvPicPr>
-            <a:picLocks noChangeAspect="1"/>
-          </p:cNvPicPr>
-          <p:nvPr/>
-        </p:nvPicPr>
-        <p:blipFill>
-          <a:blip r:embed="rId1"/>
-          <a:stretch>
-            <a:fillRect/>
-          </a:stretch>
-        </p:blipFill>
-        <p:spPr>
-          <a:xfrm>
-            <a:off x="752475" y="2299970"/>
-            <a:ext cx="7639050" cy="2257425"/>
-          </a:xfrm>
-          <a:prstGeom prst="rect">
-            <a:avLst/>
-          </a:prstGeom>
-        </p:spPr>
-      </p:pic>
-    </p:spTree>
-  </p:cSld>
-  <p:clrMapOvr>
-    <a:masterClrMapping/>
-  </p:clrMapOvr>
-</p:sld>
-</file>
-
-<file path=ppt/slides/slide11.xml><?xml version="1.0" encoding="utf-8"?>
-<p:sld xmlns:a="http://schemas.openxmlformats.org/drawingml/2006/main" xmlns:r="http://schemas.openxmlformats.org/officeDocument/2006/relationships" xmlns:p="http://schemas.openxmlformats.org/presentationml/2006/main">
-  <p:cSld>
-    <p:spTree>
-      <p:nvGrpSpPr>
-        <p:cNvPr id="1" name=""/>
-        <p:cNvGrpSpPr/>
-        <p:nvPr/>
-      </p:nvGrpSpPr>
-      <p:grpSpPr>
-        <a:xfrm>
-          <a:off x="0" y="0"/>
-          <a:ext cx="0" cy="0"/>
-          <a:chOff x="0" y="0"/>
-          <a:chExt cx="0" cy="0"/>
-        </a:xfrm>
-      </p:grpSpPr>
-      <p:sp>
-        <p:nvSpPr>
-          <p:cNvPr id="2" name="Title 1"/>
-          <p:cNvSpPr>
-            <a:spLocks noGrp="1"/>
-          </p:cNvSpPr>
-          <p:nvPr>
-            <p:ph type="title"/>
-          </p:nvPr>
-        </p:nvSpPr>
-        <p:spPr>
-          <a:xfrm>
-            <a:off x="628650" y="155263"/>
-            <a:ext cx="7886700" cy="526790"/>
-          </a:xfrm>
-        </p:spPr>
-        <p:txBody>
-          <a:bodyPr>
-            <a:normAutofit fontScale="90000"/>
-          </a:bodyPr>
-          <a:lstStyle/>
-          <a:p>
-            <a:pPr algn="ctr"/>
-            <a:r>
-              <a:rPr lang="en-US" altLang="zh-CN" sz="3200" b="1" dirty="0">
-                <a:latin typeface="Calibri" panose="020F0502020204030204" pitchFamily="34" charset="0"/>
-                <a:cs typeface="Calibri" panose="020F0502020204030204" pitchFamily="34" charset="0"/>
-              </a:rPr>
-              <a:t>API vs Non API Application</a:t>
-            </a:r>
-            <a:endParaRPr lang="en-US" altLang="zh-CN" sz="3200" b="1" dirty="0">
-              <a:latin typeface="Calibri" panose="020F0502020204030204" pitchFamily="34" charset="0"/>
-              <a:cs typeface="Calibri" panose="020F0502020204030204" pitchFamily="34" charset="0"/>
-            </a:endParaRPr>
-          </a:p>
-        </p:txBody>
-      </p:sp>
-      <p:sp>
-        <p:nvSpPr>
-          <p:cNvPr id="3" name="Content Placeholder 2"/>
-          <p:cNvSpPr>
-            <a:spLocks noGrp="1"/>
-          </p:cNvSpPr>
-          <p:nvPr>
-            <p:ph idx="1"/>
-          </p:nvPr>
-        </p:nvSpPr>
-        <p:spPr>
-          <a:xfrm>
-            <a:off x="628650" y="989044"/>
-            <a:ext cx="7886700" cy="5605719"/>
-          </a:xfrm>
-        </p:spPr>
-        <p:txBody>
-          <a:bodyPr>
-            <a:normAutofit/>
-          </a:bodyPr>
-          <a:lstStyle/>
-          <a:p>
-            <a:pPr defTabSz="342900">
-              <a:lnSpc>
-                <a:spcPct val="120000"/>
-              </a:lnSpc>
-            </a:pPr>
-            <a:r>
-              <a:rPr lang="en-US" altLang="en-US" sz="1780" dirty="0">
-                <a:solidFill>
-                  <a:srgbClr val="FF0000"/>
-                </a:solidFill>
-              </a:rPr>
-              <a:t>API doesn't have to pass the params to the view</a:t>
-            </a:r>
-            <a:endParaRPr lang="en-US" altLang="en-US" sz="1780" dirty="0">
-              <a:solidFill>
-                <a:srgbClr val="FF0000"/>
-              </a:solidFill>
-            </a:endParaRPr>
-          </a:p>
-          <a:p>
-            <a:pPr defTabSz="342900">
-              <a:lnSpc>
-                <a:spcPct val="120000"/>
-              </a:lnSpc>
-            </a:pPr>
-            <a:r>
-              <a:rPr lang="en-US" altLang="en-US" sz="1780" dirty="0">
-                <a:solidFill>
-                  <a:srgbClr val="FF0000"/>
-                </a:solidFill>
-              </a:rPr>
-              <a:t>view coud be written separately</a:t>
-            </a:r>
-            <a:endParaRPr lang="en-US" altLang="en-US" sz="1780" dirty="0">
-              <a:solidFill>
-                <a:srgbClr val="FF0000"/>
-              </a:solidFill>
-            </a:endParaRPr>
-          </a:p>
-          <a:p>
-            <a:pPr defTabSz="342900">
-              <a:lnSpc>
-                <a:spcPct val="120000"/>
-              </a:lnSpc>
-            </a:pPr>
-            <a:r>
-              <a:rPr lang="en-US" altLang="en-US" sz="1780" dirty="0">
-                <a:solidFill>
-                  <a:srgbClr val="FF0000"/>
-                </a:solidFill>
-              </a:rPr>
-              <a:t>view use js to parse the data</a:t>
-            </a:r>
-            <a:endParaRPr lang="en-US" altLang="en-US" sz="1780" dirty="0">
-              <a:solidFill>
-                <a:srgbClr val="FF0000"/>
-              </a:solidFill>
-            </a:endParaRPr>
-          </a:p>
-          <a:p>
-            <a:pPr defTabSz="342900">
-              <a:lnSpc>
-                <a:spcPct val="120000"/>
-              </a:lnSpc>
-            </a:pPr>
-            <a:endParaRPr lang="en-US" altLang="en-US" sz="1775" dirty="0">
-              <a:solidFill>
-                <a:srgbClr val="262626"/>
-              </a:solidFill>
-              <a:sym typeface="+mn-ea"/>
-            </a:endParaRPr>
-          </a:p>
-          <a:p>
-            <a:pPr defTabSz="342900">
-              <a:lnSpc>
-                <a:spcPct val="120000"/>
-              </a:lnSpc>
-            </a:pPr>
-            <a:endParaRPr lang="en-US" altLang="en-US" sz="1775" dirty="0">
-              <a:solidFill>
-                <a:srgbClr val="262626"/>
-              </a:solidFill>
-              <a:sym typeface="+mn-ea"/>
-            </a:endParaRPr>
-          </a:p>
-          <a:p>
-            <a:pPr defTabSz="342900">
-              <a:lnSpc>
-                <a:spcPct val="120000"/>
-              </a:lnSpc>
-            </a:pPr>
-            <a:r>
-              <a:rPr lang="en-US" altLang="en-US" sz="1775" dirty="0">
-                <a:solidFill>
-                  <a:srgbClr val="262626"/>
-                </a:solidFill>
-                <a:sym typeface="+mn-ea"/>
-              </a:rPr>
-              <a:t>Compare it with a non api program</a:t>
-            </a:r>
-            <a:endParaRPr lang="en-US" altLang="en-US" sz="1775" dirty="0">
-              <a:solidFill>
-                <a:srgbClr val="262626"/>
-              </a:solidFill>
-              <a:sym typeface="+mn-ea"/>
-            </a:endParaRPr>
-          </a:p>
-          <a:p>
-            <a:pPr defTabSz="342900">
-              <a:lnSpc>
-                <a:spcPct val="120000"/>
-              </a:lnSpc>
-            </a:pPr>
-            <a:r>
-              <a:rPr lang="en-US" altLang="en-US" sz="1775" dirty="0">
-                <a:solidFill>
-                  <a:srgbClr val="262626"/>
-                </a:solidFill>
-                <a:sym typeface="+mn-ea"/>
-              </a:rPr>
-              <a:t>Data is proccessed in controller and passed down to the view</a:t>
-            </a:r>
-            <a:endParaRPr lang="en-US" altLang="en-US" sz="1775" dirty="0">
-              <a:solidFill>
-                <a:srgbClr val="262626"/>
-              </a:solidFill>
-              <a:sym typeface="+mn-ea"/>
-            </a:endParaRPr>
-          </a:p>
-          <a:p>
-            <a:pPr defTabSz="342900">
-              <a:lnSpc>
-                <a:spcPct val="120000"/>
-              </a:lnSpc>
-            </a:pPr>
-            <a:r>
-              <a:rPr lang="en-US" altLang="en-US" sz="1775" dirty="0">
-                <a:solidFill>
-                  <a:srgbClr val="262626"/>
-                </a:solidFill>
-                <a:sym typeface="+mn-ea"/>
-              </a:rPr>
-              <a:t>but view and program cannot be separated</a:t>
-            </a:r>
-            <a:endParaRPr lang="en-US" altLang="en-US" sz="1775" dirty="0">
-              <a:solidFill>
-                <a:srgbClr val="262626"/>
-              </a:solidFill>
-            </a:endParaRPr>
-          </a:p>
-          <a:p>
-            <a:pPr defTabSz="342900">
-              <a:lnSpc>
-                <a:spcPct val="120000"/>
-              </a:lnSpc>
-            </a:pPr>
-            <a:endParaRPr lang="en-US" altLang="en-US" sz="1780" dirty="0">
-              <a:solidFill>
-                <a:srgbClr val="FF0000"/>
-              </a:solidFill>
-            </a:endParaRPr>
-          </a:p>
-        </p:txBody>
-      </p:sp>
-    </p:spTree>
-  </p:cSld>
-  <p:clrMapOvr>
-    <a:masterClrMapping/>
-  </p:clrMapOvr>
-</p:sld>
-</file>
-
-<file path=ppt/slides/slide12.xml><?xml version="1.0" encoding="utf-8"?>
-<p:sld xmlns:a="http://schemas.openxmlformats.org/drawingml/2006/main" xmlns:r="http://schemas.openxmlformats.org/officeDocument/2006/relationships" xmlns:p="http://schemas.openxmlformats.org/presentationml/2006/main">
-  <p:cSld>
-    <p:spTree>
-      <p:nvGrpSpPr>
-        <p:cNvPr id="1" name=""/>
-        <p:cNvGrpSpPr/>
-        <p:nvPr/>
-      </p:nvGrpSpPr>
-      <p:grpSpPr>
-        <a:xfrm>
-          <a:off x="0" y="0"/>
-          <a:ext cx="0" cy="0"/>
-          <a:chOff x="0" y="0"/>
-          <a:chExt cx="0" cy="0"/>
-        </a:xfrm>
-      </p:grpSpPr>
-      <p:sp>
-        <p:nvSpPr>
-          <p:cNvPr id="2" name="Title 1"/>
-          <p:cNvSpPr>
-            <a:spLocks noGrp="1"/>
-          </p:cNvSpPr>
-          <p:nvPr>
-            <p:ph type="title"/>
-          </p:nvPr>
-        </p:nvSpPr>
-        <p:spPr>
-          <a:xfrm>
-            <a:off x="628650" y="155263"/>
-            <a:ext cx="7886700" cy="526790"/>
-          </a:xfrm>
-        </p:spPr>
-        <p:txBody>
-          <a:bodyPr>
-            <a:normAutofit fontScale="90000"/>
-          </a:bodyPr>
-          <a:lstStyle/>
-          <a:p>
-            <a:pPr algn="ctr"/>
-            <a:r>
-              <a:rPr lang="en-US" altLang="zh-CN" sz="3200" b="1" dirty="0">
-                <a:latin typeface="Calibri" panose="020F0502020204030204" pitchFamily="34" charset="0"/>
-                <a:cs typeface="Calibri" panose="020F0502020204030204" pitchFamily="34" charset="0"/>
-              </a:rPr>
               <a:t>Form</a:t>
             </a:r>
             <a:endParaRPr lang="en-US" altLang="zh-CN" sz="3200" b="1" dirty="0">
@@ -7901,6 +7525,444 @@
 </p:sld>
 </file>
 
+<file path=ppt/slides/slide11.xml><?xml version="1.0" encoding="utf-8"?>
+<p:sld xmlns:a="http://schemas.openxmlformats.org/drawingml/2006/main" xmlns:r="http://schemas.openxmlformats.org/officeDocument/2006/relationships" xmlns:p="http://schemas.openxmlformats.org/presentationml/2006/main">
+  <p:cSld>
+    <p:spTree>
+      <p:nvGrpSpPr>
+        <p:cNvPr id="1" name=""/>
+        <p:cNvGrpSpPr/>
+        <p:nvPr/>
+      </p:nvGrpSpPr>
+      <p:grpSpPr>
+        <a:xfrm>
+          <a:off x="0" y="0"/>
+          <a:ext cx="0" cy="0"/>
+          <a:chOff x="0" y="0"/>
+          <a:chExt cx="0" cy="0"/>
+        </a:xfrm>
+      </p:grpSpPr>
+      <p:sp>
+        <p:nvSpPr>
+          <p:cNvPr id="2" name="Title 1"/>
+          <p:cNvSpPr>
+            <a:spLocks noGrp="1"/>
+          </p:cNvSpPr>
+          <p:nvPr>
+            <p:ph type="title"/>
+          </p:nvPr>
+        </p:nvSpPr>
+        <p:spPr>
+          <a:xfrm>
+            <a:off x="628650" y="155263"/>
+            <a:ext cx="7886700" cy="526790"/>
+          </a:xfrm>
+        </p:spPr>
+        <p:txBody>
+          <a:bodyPr>
+            <a:normAutofit fontScale="90000"/>
+          </a:bodyPr>
+          <a:lstStyle/>
+          <a:p>
+            <a:pPr algn="ctr"/>
+            <a:r>
+              <a:rPr lang="en-US" altLang="zh-CN" sz="3200" b="1" dirty="0">
+                <a:latin typeface="Calibri" panose="020F0502020204030204" pitchFamily="34" charset="0"/>
+                <a:cs typeface="Calibri" panose="020F0502020204030204" pitchFamily="34" charset="0"/>
+              </a:rPr>
+              <a:t>How to use JWT on client side</a:t>
+            </a:r>
+            <a:endParaRPr lang="en-US" altLang="zh-CN" sz="3200" b="1" dirty="0">
+              <a:latin typeface="Calibri" panose="020F0502020204030204" pitchFamily="34" charset="0"/>
+              <a:cs typeface="Calibri" panose="020F0502020204030204" pitchFamily="34" charset="0"/>
+            </a:endParaRPr>
+          </a:p>
+        </p:txBody>
+      </p:sp>
+      <p:sp>
+        <p:nvSpPr>
+          <p:cNvPr id="3" name="Content Placeholder 2"/>
+          <p:cNvSpPr>
+            <a:spLocks noGrp="1"/>
+          </p:cNvSpPr>
+          <p:nvPr>
+            <p:ph idx="1"/>
+          </p:nvPr>
+        </p:nvSpPr>
+        <p:spPr>
+          <a:xfrm>
+            <a:off x="628650" y="989044"/>
+            <a:ext cx="7886700" cy="5605719"/>
+          </a:xfrm>
+        </p:spPr>
+        <p:txBody>
+          <a:bodyPr>
+            <a:normAutofit lnSpcReduction="20000"/>
+          </a:bodyPr>
+          <a:lstStyle/>
+          <a:p>
+            <a:pPr defTabSz="342900">
+              <a:lnSpc>
+                <a:spcPct val="120000"/>
+              </a:lnSpc>
+            </a:pPr>
+            <a:r>
+              <a:rPr lang="en-US" altLang="en-US" sz="1780" dirty="0">
+                <a:solidFill>
+                  <a:srgbClr val="262626"/>
+                </a:solidFill>
+              </a:rPr>
+              <a:t>get the token from api  </a:t>
+            </a:r>
+            <a:endParaRPr lang="en-US" altLang="en-US" sz="1780" dirty="0">
+              <a:solidFill>
+                <a:srgbClr val="262626"/>
+              </a:solidFill>
+            </a:endParaRPr>
+          </a:p>
+          <a:p>
+            <a:pPr defTabSz="342900">
+              <a:lnSpc>
+                <a:spcPct val="120000"/>
+              </a:lnSpc>
+            </a:pPr>
+            <a:r>
+              <a:rPr lang="en-US" altLang="en-US" sz="1780" dirty="0">
+                <a:solidFill>
+                  <a:srgbClr val="262626"/>
+                </a:solidFill>
+              </a:rPr>
+              <a:t>1. store it in cookie (demo this method)</a:t>
+            </a:r>
+            <a:endParaRPr lang="en-US" altLang="en-US" sz="1780" dirty="0">
+              <a:solidFill>
+                <a:srgbClr val="262626"/>
+              </a:solidFill>
+            </a:endParaRPr>
+          </a:p>
+          <a:p>
+            <a:pPr defTabSz="342900">
+              <a:lnSpc>
+                <a:spcPct val="120000"/>
+              </a:lnSpc>
+            </a:pPr>
+            <a:r>
+              <a:rPr lang="en-US" altLang="en-US" sz="1780" dirty="0">
+                <a:solidFill>
+                  <a:srgbClr val="262626"/>
+                </a:solidFill>
+              </a:rPr>
+              <a:t>2. store it in localstore</a:t>
+            </a:r>
+            <a:endParaRPr lang="en-US" altLang="en-US" sz="1780" dirty="0">
+              <a:solidFill>
+                <a:srgbClr val="262626"/>
+              </a:solidFill>
+            </a:endParaRPr>
+          </a:p>
+          <a:p>
+            <a:pPr defTabSz="342900">
+              <a:lnSpc>
+                <a:spcPct val="120000"/>
+              </a:lnSpc>
+            </a:pPr>
+            <a:endParaRPr lang="en-US" altLang="en-US" sz="1780" dirty="0">
+              <a:solidFill>
+                <a:srgbClr val="262626"/>
+              </a:solidFill>
+            </a:endParaRPr>
+          </a:p>
+          <a:p>
+            <a:pPr defTabSz="342900">
+              <a:lnSpc>
+                <a:spcPct val="120000"/>
+              </a:lnSpc>
+            </a:pPr>
+            <a:r>
+              <a:rPr lang="en-US" altLang="en-US" sz="1780" dirty="0">
+                <a:solidFill>
+                  <a:srgbClr val="262626"/>
+                </a:solidFill>
+              </a:rPr>
+              <a:t>Difference</a:t>
+            </a:r>
+            <a:endParaRPr lang="en-US" altLang="en-US" sz="1780" dirty="0">
+              <a:solidFill>
+                <a:srgbClr val="262626"/>
+              </a:solidFill>
+            </a:endParaRPr>
+          </a:p>
+          <a:p>
+            <a:pPr defTabSz="342900">
+              <a:lnSpc>
+                <a:spcPct val="120000"/>
+              </a:lnSpc>
+            </a:pPr>
+            <a:r>
+              <a:rPr lang="en-US" altLang="en-US" sz="1780" dirty="0">
+                <a:solidFill>
+                  <a:srgbClr val="262626"/>
+                </a:solidFill>
+              </a:rPr>
+              <a:t>Local Storage</a:t>
+            </a:r>
+            <a:endParaRPr lang="en-US" altLang="en-US" sz="1780" dirty="0">
+              <a:solidFill>
+                <a:srgbClr val="262626"/>
+              </a:solidFill>
+            </a:endParaRPr>
+          </a:p>
+          <a:p>
+            <a:pPr defTabSz="342900">
+              <a:lnSpc>
+                <a:spcPct val="120000"/>
+              </a:lnSpc>
+            </a:pPr>
+            <a:r>
+              <a:rPr lang="en-US" altLang="en-US" sz="1780" dirty="0">
+                <a:solidFill>
+                  <a:srgbClr val="262626"/>
+                </a:solidFill>
+              </a:rPr>
+              <a:t>Pros: It's convenient.</a:t>
+            </a:r>
+            <a:endParaRPr lang="en-US" altLang="en-US" sz="1780" dirty="0">
+              <a:solidFill>
+                <a:srgbClr val="262626"/>
+              </a:solidFill>
+            </a:endParaRPr>
+          </a:p>
+          <a:p>
+            <a:pPr defTabSz="342900">
+              <a:lnSpc>
+                <a:spcPct val="120000"/>
+              </a:lnSpc>
+            </a:pPr>
+            <a:r>
+              <a:rPr lang="en-US" altLang="en-US" sz="1780" dirty="0">
+                <a:solidFill>
+                  <a:srgbClr val="262626"/>
+                </a:solidFill>
+              </a:rPr>
+              <a:t>Cons: It's vulnerable to XSS attacks.</a:t>
+            </a:r>
+            <a:endParaRPr lang="en-US" altLang="en-US" sz="1780" dirty="0">
+              <a:solidFill>
+                <a:srgbClr val="262626"/>
+              </a:solidFill>
+            </a:endParaRPr>
+          </a:p>
+          <a:p>
+            <a:pPr defTabSz="342900">
+              <a:lnSpc>
+                <a:spcPct val="120000"/>
+              </a:lnSpc>
+            </a:pPr>
+            <a:endParaRPr lang="en-US" altLang="en-US" sz="1780" dirty="0">
+              <a:solidFill>
+                <a:srgbClr val="262626"/>
+              </a:solidFill>
+            </a:endParaRPr>
+          </a:p>
+          <a:p>
+            <a:pPr defTabSz="342900">
+              <a:lnSpc>
+                <a:spcPct val="120000"/>
+              </a:lnSpc>
+            </a:pPr>
+            <a:r>
+              <a:rPr lang="en-US" altLang="en-US" sz="1780" dirty="0">
+                <a:solidFill>
+                  <a:srgbClr val="262626"/>
+                </a:solidFill>
+              </a:rPr>
+              <a:t>Cookies</a:t>
+            </a:r>
+            <a:endParaRPr lang="en-US" altLang="en-US" sz="1780" dirty="0">
+              <a:solidFill>
+                <a:srgbClr val="262626"/>
+              </a:solidFill>
+            </a:endParaRPr>
+          </a:p>
+          <a:p>
+            <a:pPr defTabSz="342900">
+              <a:lnSpc>
+                <a:spcPct val="120000"/>
+              </a:lnSpc>
+            </a:pPr>
+            <a:r>
+              <a:rPr lang="en-US" altLang="en-US" sz="1780" dirty="0">
+                <a:solidFill>
+                  <a:srgbClr val="262626"/>
+                </a:solidFill>
+              </a:rPr>
+              <a:t>Pros: The cookie is not accessible via JavaScript; hence, it is not as vulnerable to XSS attacks as localStorage.</a:t>
+            </a:r>
+            <a:endParaRPr lang="en-US" altLang="en-US" sz="1780" dirty="0">
+              <a:solidFill>
+                <a:srgbClr val="262626"/>
+              </a:solidFill>
+            </a:endParaRPr>
+          </a:p>
+          <a:p>
+            <a:pPr defTabSz="342900">
+              <a:lnSpc>
+                <a:spcPct val="120000"/>
+              </a:lnSpc>
+            </a:pPr>
+            <a:r>
+              <a:rPr lang="en-US" altLang="en-US" sz="1780" dirty="0">
+                <a:solidFill>
+                  <a:srgbClr val="262626"/>
+                </a:solidFill>
+              </a:rPr>
+              <a:t>Cons: Depending on the use case, you might not be able to store your tokens in the cookies. For Instance: Cookies have a size limit of 4KB.</a:t>
+            </a:r>
+            <a:endParaRPr lang="en-US" altLang="en-US" sz="1780" dirty="0">
+              <a:solidFill>
+                <a:srgbClr val="262626"/>
+              </a:solidFill>
+            </a:endParaRPr>
+          </a:p>
+        </p:txBody>
+      </p:sp>
+    </p:spTree>
+  </p:cSld>
+  <p:clrMapOvr>
+    <a:masterClrMapping/>
+  </p:clrMapOvr>
+</p:sld>
+</file>
+
+<file path=ppt/slides/slide12.xml><?xml version="1.0" encoding="utf-8"?>
+<p:sld xmlns:a="http://schemas.openxmlformats.org/drawingml/2006/main" xmlns:r="http://schemas.openxmlformats.org/officeDocument/2006/relationships" xmlns:p="http://schemas.openxmlformats.org/presentationml/2006/main">
+  <p:cSld>
+    <p:spTree>
+      <p:nvGrpSpPr>
+        <p:cNvPr id="1" name=""/>
+        <p:cNvGrpSpPr/>
+        <p:nvPr/>
+      </p:nvGrpSpPr>
+      <p:grpSpPr>
+        <a:xfrm>
+          <a:off x="0" y="0"/>
+          <a:ext cx="0" cy="0"/>
+          <a:chOff x="0" y="0"/>
+          <a:chExt cx="0" cy="0"/>
+        </a:xfrm>
+      </p:grpSpPr>
+      <p:sp>
+        <p:nvSpPr>
+          <p:cNvPr id="2" name="Title 1"/>
+          <p:cNvSpPr>
+            <a:spLocks noGrp="1"/>
+          </p:cNvSpPr>
+          <p:nvPr>
+            <p:ph type="title"/>
+          </p:nvPr>
+        </p:nvSpPr>
+        <p:spPr>
+          <a:xfrm>
+            <a:off x="628650" y="155263"/>
+            <a:ext cx="7886700" cy="526790"/>
+          </a:xfrm>
+        </p:spPr>
+        <p:txBody>
+          <a:bodyPr>
+            <a:normAutofit fontScale="90000"/>
+          </a:bodyPr>
+          <a:lstStyle/>
+          <a:p>
+            <a:pPr algn="ctr"/>
+            <a:r>
+              <a:rPr lang="en-US" altLang="zh-CN" sz="3200" b="1" dirty="0">
+                <a:latin typeface="Calibri" panose="020F0502020204030204" pitchFamily="34" charset="0"/>
+                <a:cs typeface="Calibri" panose="020F0502020204030204" pitchFamily="34" charset="0"/>
+              </a:rPr>
+              <a:t>Middleware</a:t>
+            </a:r>
+            <a:endParaRPr lang="en-US" altLang="zh-CN" sz="3200" b="1" dirty="0">
+              <a:latin typeface="Calibri" panose="020F0502020204030204" pitchFamily="34" charset="0"/>
+              <a:cs typeface="Calibri" panose="020F0502020204030204" pitchFamily="34" charset="0"/>
+            </a:endParaRPr>
+          </a:p>
+        </p:txBody>
+      </p:sp>
+      <p:sp>
+        <p:nvSpPr>
+          <p:cNvPr id="3" name="Content Placeholder 2"/>
+          <p:cNvSpPr>
+            <a:spLocks noGrp="1"/>
+          </p:cNvSpPr>
+          <p:nvPr>
+            <p:ph idx="1"/>
+          </p:nvPr>
+        </p:nvSpPr>
+        <p:spPr>
+          <a:xfrm>
+            <a:off x="628650" y="989044"/>
+            <a:ext cx="7886700" cy="5605719"/>
+          </a:xfrm>
+        </p:spPr>
+        <p:txBody>
+          <a:bodyPr>
+            <a:normAutofit/>
+          </a:bodyPr>
+          <a:lstStyle/>
+          <a:p>
+            <a:pPr defTabSz="342900">
+              <a:lnSpc>
+                <a:spcPct val="120000"/>
+              </a:lnSpc>
+            </a:pPr>
+            <a:r>
+              <a:rPr lang="en-US" altLang="en-US" sz="1780" dirty="0">
+                <a:solidFill>
+                  <a:srgbClr val="FF0000"/>
+                </a:solidFill>
+              </a:rPr>
+              <a:t>demo auth middleware</a:t>
+            </a:r>
+            <a:endParaRPr lang="en-US" altLang="en-US" sz="1780" dirty="0">
+              <a:solidFill>
+                <a:srgbClr val="FF0000"/>
+              </a:solidFill>
+            </a:endParaRPr>
+          </a:p>
+        </p:txBody>
+      </p:sp>
+      <p:pic>
+        <p:nvPicPr>
+          <p:cNvPr id="4" name="图片 3"/>
+          <p:cNvPicPr>
+            <a:picLocks noChangeAspect="1"/>
+          </p:cNvPicPr>
+          <p:nvPr/>
+        </p:nvPicPr>
+        <p:blipFill>
+          <a:blip r:embed="rId1"/>
+          <a:stretch>
+            <a:fillRect/>
+          </a:stretch>
+        </p:blipFill>
+        <p:spPr>
+          <a:xfrm>
+            <a:off x="752475" y="2299970"/>
+            <a:ext cx="7639050" cy="2257425"/>
+          </a:xfrm>
+          <a:prstGeom prst="rect">
+            <a:avLst/>
+          </a:prstGeom>
+        </p:spPr>
+      </p:pic>
+    </p:spTree>
+  </p:cSld>
+  <p:clrMapOvr>
+    <a:masterClrMapping/>
+  </p:clrMapOvr>
+</p:sld>
+</file>
+
 <file path=ppt/slides/slide13.xml><?xml version="1.0" encoding="utf-8"?>
 <p:sld xmlns:a="http://schemas.openxmlformats.org/drawingml/2006/main" xmlns:r="http://schemas.openxmlformats.org/officeDocument/2006/relationships" xmlns:p="http://schemas.openxmlformats.org/presentationml/2006/main">
   <p:cSld>
@@ -7946,7 +8008,7 @@
                 <a:latin typeface="Calibri" panose="020F0502020204030204" pitchFamily="34" charset="0"/>
                 <a:cs typeface="Calibri" panose="020F0502020204030204" pitchFamily="34" charset="0"/>
               </a:rPr>
-              <a:t>File Upload</a:t>
+              <a:t>API vs Non API Application</a:t>
             </a:r>
             <a:endParaRPr lang="en-US" altLang="zh-CN" sz="3200" b="1" dirty="0">
               <a:latin typeface="Calibri" panose="020F0502020204030204" pitchFamily="34" charset="0"/>
@@ -7985,10 +8047,382 @@
             <a:r>
               <a:rPr lang="en-US" altLang="en-US" sz="1780" dirty="0">
                 <a:solidFill>
+                  <a:srgbClr val="FF0000"/>
+                </a:solidFill>
+              </a:rPr>
+              <a:t>API doesn't have to pass the params to the view</a:t>
+            </a:r>
+            <a:endParaRPr lang="en-US" altLang="en-US" sz="1780" dirty="0">
+              <a:solidFill>
+                <a:srgbClr val="FF0000"/>
+              </a:solidFill>
+            </a:endParaRPr>
+          </a:p>
+          <a:p>
+            <a:pPr defTabSz="342900">
+              <a:lnSpc>
+                <a:spcPct val="120000"/>
+              </a:lnSpc>
+            </a:pPr>
+            <a:r>
+              <a:rPr lang="en-US" altLang="en-US" sz="1780" dirty="0">
+                <a:solidFill>
+                  <a:srgbClr val="FF0000"/>
+                </a:solidFill>
+              </a:rPr>
+              <a:t>view coud be written separately</a:t>
+            </a:r>
+            <a:endParaRPr lang="en-US" altLang="en-US" sz="1780" dirty="0">
+              <a:solidFill>
+                <a:srgbClr val="FF0000"/>
+              </a:solidFill>
+            </a:endParaRPr>
+          </a:p>
+          <a:p>
+            <a:pPr defTabSz="342900">
+              <a:lnSpc>
+                <a:spcPct val="120000"/>
+              </a:lnSpc>
+            </a:pPr>
+            <a:r>
+              <a:rPr lang="en-US" altLang="en-US" sz="1780" dirty="0">
+                <a:solidFill>
+                  <a:srgbClr val="FF0000"/>
+                </a:solidFill>
+              </a:rPr>
+              <a:t>view use js to parse the data</a:t>
+            </a:r>
+            <a:endParaRPr lang="en-US" altLang="en-US" sz="1780" dirty="0">
+              <a:solidFill>
+                <a:srgbClr val="FF0000"/>
+              </a:solidFill>
+            </a:endParaRPr>
+          </a:p>
+          <a:p>
+            <a:pPr defTabSz="342900">
+              <a:lnSpc>
+                <a:spcPct val="120000"/>
+              </a:lnSpc>
+            </a:pPr>
+            <a:endParaRPr lang="en-US" altLang="en-US" sz="1775" dirty="0">
+              <a:solidFill>
+                <a:srgbClr val="262626"/>
+              </a:solidFill>
+              <a:sym typeface="+mn-ea"/>
+            </a:endParaRPr>
+          </a:p>
+          <a:p>
+            <a:pPr defTabSz="342900">
+              <a:lnSpc>
+                <a:spcPct val="120000"/>
+              </a:lnSpc>
+            </a:pPr>
+            <a:endParaRPr lang="en-US" altLang="en-US" sz="1775" dirty="0">
+              <a:solidFill>
+                <a:srgbClr val="262626"/>
+              </a:solidFill>
+              <a:sym typeface="+mn-ea"/>
+            </a:endParaRPr>
+          </a:p>
+          <a:p>
+            <a:pPr defTabSz="342900">
+              <a:lnSpc>
+                <a:spcPct val="120000"/>
+              </a:lnSpc>
+            </a:pPr>
+            <a:r>
+              <a:rPr lang="en-US" altLang="en-US" sz="1775" dirty="0">
+                <a:solidFill>
+                  <a:srgbClr val="262626"/>
+                </a:solidFill>
+                <a:sym typeface="+mn-ea"/>
+              </a:rPr>
+              <a:t>Compare it with a non api program</a:t>
+            </a:r>
+            <a:endParaRPr lang="en-US" altLang="en-US" sz="1775" dirty="0">
+              <a:solidFill>
+                <a:srgbClr val="262626"/>
+              </a:solidFill>
+              <a:sym typeface="+mn-ea"/>
+            </a:endParaRPr>
+          </a:p>
+          <a:p>
+            <a:pPr defTabSz="342900">
+              <a:lnSpc>
+                <a:spcPct val="120000"/>
+              </a:lnSpc>
+            </a:pPr>
+            <a:r>
+              <a:rPr lang="en-US" altLang="en-US" sz="1775" dirty="0">
+                <a:solidFill>
+                  <a:srgbClr val="262626"/>
+                </a:solidFill>
+                <a:sym typeface="+mn-ea"/>
+              </a:rPr>
+              <a:t>Data is proccessed in controller and passed down to the view</a:t>
+            </a:r>
+            <a:endParaRPr lang="en-US" altLang="en-US" sz="1775" dirty="0">
+              <a:solidFill>
+                <a:srgbClr val="262626"/>
+              </a:solidFill>
+              <a:sym typeface="+mn-ea"/>
+            </a:endParaRPr>
+          </a:p>
+          <a:p>
+            <a:pPr defTabSz="342900">
+              <a:lnSpc>
+                <a:spcPct val="120000"/>
+              </a:lnSpc>
+            </a:pPr>
+            <a:r>
+              <a:rPr lang="en-US" altLang="en-US" sz="1775" dirty="0">
+                <a:solidFill>
+                  <a:srgbClr val="262626"/>
+                </a:solidFill>
+                <a:sym typeface="+mn-ea"/>
+              </a:rPr>
+              <a:t>but view and program cannot be separated</a:t>
+            </a:r>
+            <a:endParaRPr lang="en-US" altLang="en-US" sz="1775" dirty="0">
+              <a:solidFill>
+                <a:srgbClr val="262626"/>
+              </a:solidFill>
+            </a:endParaRPr>
+          </a:p>
+          <a:p>
+            <a:pPr defTabSz="342900">
+              <a:lnSpc>
+                <a:spcPct val="120000"/>
+              </a:lnSpc>
+            </a:pPr>
+            <a:endParaRPr lang="en-US" altLang="en-US" sz="1780" dirty="0">
+              <a:solidFill>
+                <a:srgbClr val="FF0000"/>
+              </a:solidFill>
+            </a:endParaRPr>
+          </a:p>
+        </p:txBody>
+      </p:sp>
+    </p:spTree>
+  </p:cSld>
+  <p:clrMapOvr>
+    <a:masterClrMapping/>
+  </p:clrMapOvr>
+</p:sld>
+</file>
+
+<file path=ppt/slides/slide14.xml><?xml version="1.0" encoding="utf-8"?>
+<p:sld xmlns:a="http://schemas.openxmlformats.org/drawingml/2006/main" xmlns:r="http://schemas.openxmlformats.org/officeDocument/2006/relationships" xmlns:p="http://schemas.openxmlformats.org/presentationml/2006/main">
+  <p:cSld>
+    <p:spTree>
+      <p:nvGrpSpPr>
+        <p:cNvPr id="1" name=""/>
+        <p:cNvGrpSpPr/>
+        <p:nvPr/>
+      </p:nvGrpSpPr>
+      <p:grpSpPr>
+        <a:xfrm>
+          <a:off x="0" y="0"/>
+          <a:ext cx="0" cy="0"/>
+          <a:chOff x="0" y="0"/>
+          <a:chExt cx="0" cy="0"/>
+        </a:xfrm>
+      </p:grpSpPr>
+      <p:sp>
+        <p:nvSpPr>
+          <p:cNvPr id="2" name="Title 1"/>
+          <p:cNvSpPr>
+            <a:spLocks noGrp="1"/>
+          </p:cNvSpPr>
+          <p:nvPr>
+            <p:ph type="title"/>
+          </p:nvPr>
+        </p:nvSpPr>
+        <p:spPr>
+          <a:xfrm>
+            <a:off x="628650" y="155263"/>
+            <a:ext cx="7886700" cy="526790"/>
+          </a:xfrm>
+        </p:spPr>
+        <p:txBody>
+          <a:bodyPr>
+            <a:normAutofit fontScale="90000"/>
+          </a:bodyPr>
+          <a:lstStyle/>
+          <a:p>
+            <a:pPr algn="ctr"/>
+            <a:r>
+              <a:rPr lang="en-US" altLang="zh-CN" sz="3200" b="1" dirty="0">
+                <a:latin typeface="Calibri" panose="020F0502020204030204" pitchFamily="34" charset="0"/>
+                <a:cs typeface="Calibri" panose="020F0502020204030204" pitchFamily="34" charset="0"/>
+              </a:rPr>
+              <a:t>File Upload</a:t>
+            </a:r>
+            <a:endParaRPr lang="en-US" altLang="zh-CN" sz="3200" b="1" dirty="0">
+              <a:latin typeface="Calibri" panose="020F0502020204030204" pitchFamily="34" charset="0"/>
+              <a:cs typeface="Calibri" panose="020F0502020204030204" pitchFamily="34" charset="0"/>
+            </a:endParaRPr>
+          </a:p>
+        </p:txBody>
+      </p:sp>
+      <p:sp>
+        <p:nvSpPr>
+          <p:cNvPr id="3" name="Content Placeholder 2"/>
+          <p:cNvSpPr>
+            <a:spLocks noGrp="1"/>
+          </p:cNvSpPr>
+          <p:nvPr>
+            <p:ph idx="1"/>
+          </p:nvPr>
+        </p:nvSpPr>
+        <p:spPr>
+          <a:xfrm>
+            <a:off x="628650" y="989044"/>
+            <a:ext cx="7886700" cy="5605719"/>
+          </a:xfrm>
+        </p:spPr>
+        <p:txBody>
+          <a:bodyPr>
+            <a:normAutofit/>
+          </a:bodyPr>
+          <a:lstStyle/>
+          <a:p>
+            <a:pPr defTabSz="342900">
+              <a:lnSpc>
+                <a:spcPct val="120000"/>
+              </a:lnSpc>
+            </a:pPr>
+            <a:r>
+              <a:rPr lang="en-US" altLang="en-US" sz="1780" dirty="0">
+                <a:solidFill>
+                  <a:srgbClr val="262626"/>
+                </a:solidFill>
+              </a:rPr>
+              <a:t>localhost (</a:t>
+            </a:r>
+            <a:r>
+              <a:rPr lang="en-US" altLang="en-US" sz="1780" dirty="0">
+                <a:solidFill>
+                  <a:srgbClr val="FF0000"/>
+                </a:solidFill>
+              </a:rPr>
+              <a:t>code demo</a:t>
+            </a:r>
+            <a:r>
+              <a:rPr lang="en-US" altLang="en-US" sz="1780" dirty="0">
+                <a:solidFill>
+                  <a:srgbClr val="262626"/>
+                </a:solidFill>
+              </a:rPr>
+              <a:t>)</a:t>
+            </a:r>
+            <a:endParaRPr lang="en-US" altLang="en-US" sz="1780" dirty="0">
+              <a:solidFill>
+                <a:srgbClr val="262626"/>
+              </a:solidFill>
+            </a:endParaRPr>
+          </a:p>
+          <a:p>
+            <a:pPr defTabSz="342900">
+              <a:lnSpc>
+                <a:spcPct val="120000"/>
+              </a:lnSpc>
+            </a:pPr>
+            <a:r>
+              <a:rPr lang="en-US" altLang="en-US" sz="1780" dirty="0">
+                <a:solidFill>
                   <a:srgbClr val="262626"/>
                 </a:solidFill>
               </a:rPr>
               <a:t>https://www.geeksforgeeks.org/file-uploading-in-node-js/</a:t>
+            </a:r>
+            <a:endParaRPr lang="en-US" altLang="en-US" sz="1780" dirty="0">
+              <a:solidFill>
+                <a:srgbClr val="262626"/>
+              </a:solidFill>
+            </a:endParaRPr>
+          </a:p>
+          <a:p>
+            <a:pPr defTabSz="342900">
+              <a:lnSpc>
+                <a:spcPct val="120000"/>
+              </a:lnSpc>
+            </a:pPr>
+            <a:endParaRPr lang="en-US" altLang="en-US" sz="1780" dirty="0">
+              <a:solidFill>
+                <a:srgbClr val="262626"/>
+              </a:solidFill>
+            </a:endParaRPr>
+          </a:p>
+          <a:p>
+            <a:pPr defTabSz="342900">
+              <a:lnSpc>
+                <a:spcPct val="120000"/>
+              </a:lnSpc>
+            </a:pPr>
+            <a:r>
+              <a:rPr lang="en-US" altLang="en-US" sz="1780" dirty="0">
+                <a:solidFill>
+                  <a:srgbClr val="262626"/>
+                </a:solidFill>
+              </a:rPr>
+              <a:t>ipfs (</a:t>
+            </a:r>
+            <a:r>
+              <a:rPr lang="en-US" altLang="en-US" sz="1780" dirty="0">
+                <a:solidFill>
+                  <a:srgbClr val="FF0000"/>
+                </a:solidFill>
+              </a:rPr>
+              <a:t>code demo</a:t>
+            </a:r>
+            <a:r>
+              <a:rPr lang="en-US" altLang="en-US" sz="1780" dirty="0">
+                <a:solidFill>
+                  <a:srgbClr val="262626"/>
+                </a:solidFill>
+              </a:rPr>
+              <a:t>)</a:t>
+            </a:r>
+            <a:endParaRPr lang="en-US" altLang="en-US" sz="1780" dirty="0">
+              <a:solidFill>
+                <a:srgbClr val="262626"/>
+              </a:solidFill>
+            </a:endParaRPr>
+          </a:p>
+          <a:p>
+            <a:pPr defTabSz="342900">
+              <a:lnSpc>
+                <a:spcPct val="120000"/>
+              </a:lnSpc>
+            </a:pPr>
+            <a:r>
+              <a:rPr lang="en-US" altLang="en-US" sz="1780" dirty="0">
+                <a:solidFill>
+                  <a:srgbClr val="262626"/>
+                </a:solidFill>
+              </a:rPr>
+              <a:t>https://docs.ipfs.io/install/ipfs-desktop/#windows</a:t>
+            </a:r>
+            <a:endParaRPr lang="en-US" altLang="en-US" sz="1780" dirty="0">
+              <a:solidFill>
+                <a:srgbClr val="262626"/>
+              </a:solidFill>
+            </a:endParaRPr>
+          </a:p>
+          <a:p>
+            <a:pPr defTabSz="342900">
+              <a:lnSpc>
+                <a:spcPct val="120000"/>
+              </a:lnSpc>
+            </a:pPr>
+            <a:r>
+              <a:rPr lang="en-US" altLang="en-US" sz="1780" dirty="0">
+                <a:solidFill>
+                  <a:srgbClr val="262626"/>
+                </a:solidFill>
+              </a:rPr>
+              <a:t>https://medium.com/better-programming/how-to-get-started-with-ipfs-and-node-fa04baec6b3a</a:t>
             </a:r>
             <a:endParaRPr lang="en-US" altLang="en-US" sz="1780" dirty="0">
               <a:solidFill>
@@ -8625,6 +9059,26 @@
             </a:endParaRPr>
           </a:p>
           <a:p>
+            <a:pPr lvl="1" defTabSz="342900">
+              <a:lnSpc>
+                <a:spcPct val="120000"/>
+              </a:lnSpc>
+            </a:pPr>
+            <a:r>
+              <a:rPr lang="en-US" altLang="en-US" sz="1525" dirty="0">
+                <a:solidFill>
+                  <a:srgbClr val="262626"/>
+                </a:solidFill>
+              </a:rPr>
+              <a:t>controller pass params down to the view</a:t>
+            </a:r>
+            <a:endParaRPr lang="en-US" altLang="en-US" sz="1525" dirty="0">
+              <a:solidFill>
+                <a:srgbClr val="262626"/>
+              </a:solidFill>
+            </a:endParaRPr>
+          </a:p>
+          <a:p>
             <a:pPr defTabSz="342900">
               <a:lnSpc>
                 <a:spcPct val="120000"/>
@@ -8636,7 +9090,7 @@
                   <a:srgbClr val="262626"/>
                 </a:solidFill>
               </a:rPr>
-              <a:t>4. add auth to all routes except login page itself</a:t>
+              <a:t>4. test Form data submition using login page form</a:t>
             </a:r>
             <a:endParaRPr lang="en-US" altLang="en-US" sz="1780" dirty="0">
               <a:solidFill>
@@ -8645,6 +9099,26 @@
             </a:endParaRPr>
           </a:p>
           <a:p>
+            <a:pPr lvl="1" defTabSz="342900">
+              <a:lnSpc>
+                <a:spcPct val="120000"/>
+              </a:lnSpc>
+            </a:pPr>
+            <a:r>
+              <a:rPr lang="en-US" altLang="en-US" sz="1525" dirty="0">
+                <a:solidFill>
+                  <a:srgbClr val="262626"/>
+                </a:solidFill>
+              </a:rPr>
+              <a:t>create form data handler and its route</a:t>
+            </a:r>
+            <a:endParaRPr lang="en-US" altLang="en-US" sz="1525" dirty="0">
+              <a:solidFill>
+                <a:srgbClr val="262626"/>
+              </a:solidFill>
+            </a:endParaRPr>
+          </a:p>
+          <a:p>
             <a:pPr defTabSz="342900">
               <a:lnSpc>
                 <a:spcPct val="120000"/>
@@ -8656,7 +9130,67 @@
                   <a:srgbClr val="262626"/>
                 </a:solidFill>
               </a:rPr>
-              <a:t>5. make login frontpage connect with api to do  signup and login</a:t>
+              <a:t>5. test JWT token with postman</a:t>
+            </a:r>
+            <a:endParaRPr lang="en-US" altLang="en-US" sz="1780" dirty="0">
+              <a:solidFill>
+                <a:srgbClr val="262626"/>
+              </a:solidFill>
+            </a:endParaRPr>
+          </a:p>
+          <a:p>
+            <a:pPr defTabSz="342900">
+              <a:lnSpc>
+                <a:spcPct val="120000"/>
+              </a:lnSpc>
+            </a:pPr>
+            <a:r>
+              <a:rPr lang="en-US" altLang="en-US" sz="1780" dirty="0">
+                <a:solidFill>
+                  <a:srgbClr val="262626"/>
+                </a:solidFill>
+              </a:rPr>
+              <a:t>6. add auth to all routes except login page itself</a:t>
+            </a:r>
+            <a:endParaRPr lang="en-US" altLang="en-US" sz="1780" dirty="0">
+              <a:solidFill>
+                <a:srgbClr val="262626"/>
+              </a:solidFill>
+            </a:endParaRPr>
+          </a:p>
+          <a:p>
+            <a:pPr defTabSz="342900">
+              <a:lnSpc>
+                <a:spcPct val="120000"/>
+              </a:lnSpc>
+            </a:pPr>
+            <a:r>
+              <a:rPr lang="en-US" altLang="en-US" sz="1780" dirty="0">
+                <a:solidFill>
+                  <a:srgbClr val="262626"/>
+                </a:solidFill>
+              </a:rPr>
+              <a:t>7. connect login frontpage with api</a:t>
+            </a:r>
+            <a:endParaRPr lang="en-US" altLang="en-US" sz="1780" dirty="0">
+              <a:solidFill>
+                <a:srgbClr val="262626"/>
+              </a:solidFill>
+            </a:endParaRPr>
+          </a:p>
+          <a:p>
+            <a:pPr defTabSz="342900">
+              <a:lnSpc>
+                <a:spcPct val="120000"/>
+              </a:lnSpc>
+            </a:pPr>
+            <a:r>
+              <a:rPr lang="en-US" altLang="en-US" sz="1780" dirty="0">
+                <a:solidFill>
+                  <a:srgbClr val="262626"/>
+                </a:solidFill>
+              </a:rPr>
+              <a:t>8. add fileupload function: routes and controller</a:t>
             </a:r>
             <a:endParaRPr lang="en-US" altLang="en-US" sz="1780" dirty="0">
               <a:solidFill>

--- a/BCI - Day11 - Node-Express 2.pptx
+++ b/BCI - Day11 - Node-Express 2.pptx
@@ -8533,7 +8533,7 @@
                 <a:cs typeface="Calibri" panose="020F0502020204030204" pitchFamily="34" charset="0"/>
                 <a:sym typeface="+mn-ea"/>
               </a:rPr>
-              <a:t>Create a React App </a:t>
+              <a:t> </a:t>
             </a:r>
             <a:endParaRPr lang="en-US" dirty="0"/>
           </a:p>
